--- a/TP 1/TP 1.pptx
+++ b/TP 1/TP 1.pptx
@@ -18,6 +18,9 @@
     <p:sldId id="270" r:id="rId12"/>
     <p:sldId id="267" r:id="rId13"/>
     <p:sldId id="268" r:id="rId14"/>
+    <p:sldId id="272" r:id="rId15"/>
+    <p:sldId id="273" r:id="rId16"/>
+    <p:sldId id="271" r:id="rId17"/>
   </p:sldIdLst>
   <p:sldSz cx="12192000" cy="6858000"/>
   <p:notesSz cx="6858000" cy="9144000"/>
@@ -117,6 +120,2243 @@
     </a:lvl9pPr>
   </p:defaultTextStyle>
 </p:presentation>
+</file>
+
+<file path=ppt/charts/chart1.xml><?xml version="1.0" encoding="utf-8"?>
+<c:chartSpace xmlns:c="http://schemas.openxmlformats.org/drawingml/2006/chart" xmlns:a="http://schemas.openxmlformats.org/drawingml/2006/main" xmlns:r="http://schemas.openxmlformats.org/officeDocument/2006/relationships" xmlns:c16r2="http://schemas.microsoft.com/office/drawing/2015/06/chart">
+  <c:date1904 val="0"/>
+  <c:lang val="es-ES"/>
+  <c:roundedCorners val="0"/>
+  <mc:AlternateContent xmlns:mc="http://schemas.openxmlformats.org/markup-compatibility/2006">
+    <mc:Choice xmlns:c14="http://schemas.microsoft.com/office/drawing/2007/8/2/chart" Requires="c14">
+      <c14:style val="102"/>
+    </mc:Choice>
+    <mc:Fallback>
+      <c:style val="2"/>
+    </mc:Fallback>
+  </mc:AlternateContent>
+  <c:chart>
+    <c:title>
+      <c:tx>
+        <c:rich>
+          <a:bodyPr rot="0" spcFirstLastPara="1" vertOverflow="ellipsis" vert="horz" wrap="square" anchor="ctr" anchorCtr="1"/>
+          <a:lstStyle/>
+          <a:p>
+            <a:pPr>
+              <a:defRPr sz="1400" b="0" i="0" u="none" strike="noStrike" kern="1200" spc="0" baseline="0">
+                <a:solidFill>
+                  <a:schemeClr val="tx1">
+                    <a:lumMod val="65000"/>
+                    <a:lumOff val="35000"/>
+                  </a:schemeClr>
+                </a:solidFill>
+                <a:latin typeface="+mn-lt"/>
+                <a:ea typeface="+mn-ea"/>
+                <a:cs typeface="+mn-cs"/>
+              </a:defRPr>
+            </a:pPr>
+            <a:r>
+              <a:rPr lang="es-AR"/>
+              <a:t>Tiempo versus</a:t>
+            </a:r>
+            <a:r>
+              <a:rPr lang="es-AR" baseline="0"/>
+              <a:t> Complejidad</a:t>
+            </a:r>
+            <a:endParaRPr lang="es-AR"/>
+          </a:p>
+        </c:rich>
+      </c:tx>
+      <c:overlay val="0"/>
+      <c:spPr>
+        <a:noFill/>
+        <a:ln>
+          <a:noFill/>
+        </a:ln>
+        <a:effectLst/>
+      </c:spPr>
+      <c:txPr>
+        <a:bodyPr rot="0" spcFirstLastPara="1" vertOverflow="ellipsis" vert="horz" wrap="square" anchor="ctr" anchorCtr="1"/>
+        <a:lstStyle/>
+        <a:p>
+          <a:pPr>
+            <a:defRPr sz="1400" b="0" i="0" u="none" strike="noStrike" kern="1200" spc="0" baseline="0">
+              <a:solidFill>
+                <a:schemeClr val="tx1">
+                  <a:lumMod val="65000"/>
+                  <a:lumOff val="35000"/>
+                </a:schemeClr>
+              </a:solidFill>
+              <a:latin typeface="+mn-lt"/>
+              <a:ea typeface="+mn-ea"/>
+              <a:cs typeface="+mn-cs"/>
+            </a:defRPr>
+          </a:pPr>
+          <a:endParaRPr lang="es-AR"/>
+        </a:p>
+      </c:txPr>
+    </c:title>
+    <c:autoTitleDeleted val="0"/>
+    <c:plotArea>
+      <c:layout/>
+      <c:lineChart>
+        <c:grouping val="standard"/>
+        <c:varyColors val="0"/>
+        <c:ser>
+          <c:idx val="0"/>
+          <c:order val="0"/>
+          <c:tx>
+            <c:strRef>
+              <c:f>Hoja2!$B$1</c:f>
+              <c:strCache>
+                <c:ptCount val="1"/>
+                <c:pt idx="0">
+                  <c:v>BFS</c:v>
+                </c:pt>
+              </c:strCache>
+            </c:strRef>
+          </c:tx>
+          <c:spPr>
+            <a:ln w="28575" cap="rnd">
+              <a:solidFill>
+                <a:schemeClr val="accent1"/>
+              </a:solidFill>
+              <a:round/>
+            </a:ln>
+            <a:effectLst/>
+          </c:spPr>
+          <c:marker>
+            <c:symbol val="none"/>
+          </c:marker>
+          <c:cat>
+            <c:numRef>
+              <c:f>Hoja2!$A$2:$A$5</c:f>
+              <c:numCache>
+                <c:formatCode>General</c:formatCode>
+                <c:ptCount val="4"/>
+                <c:pt idx="0">
+                  <c:v>1</c:v>
+                </c:pt>
+                <c:pt idx="1">
+                  <c:v>2</c:v>
+                </c:pt>
+                <c:pt idx="2">
+                  <c:v>3</c:v>
+                </c:pt>
+                <c:pt idx="3">
+                  <c:v>4</c:v>
+                </c:pt>
+              </c:numCache>
+            </c:numRef>
+          </c:cat>
+          <c:val>
+            <c:numRef>
+              <c:f>Hoja2!$B$2:$B$5</c:f>
+              <c:numCache>
+                <c:formatCode>General</c:formatCode>
+                <c:ptCount val="4"/>
+                <c:pt idx="0">
+                  <c:v>2000</c:v>
+                </c:pt>
+                <c:pt idx="1">
+                  <c:v>0</c:v>
+                </c:pt>
+                <c:pt idx="2">
+                  <c:v>15627</c:v>
+                </c:pt>
+                <c:pt idx="3">
+                  <c:v>15625</c:v>
+                </c:pt>
+              </c:numCache>
+            </c:numRef>
+          </c:val>
+          <c:smooth val="0"/>
+          <c:extLst>
+            <c:ext xmlns:c16="http://schemas.microsoft.com/office/drawing/2014/chart" uri="{C3380CC4-5D6E-409C-BE32-E72D297353CC}">
+              <c16:uniqueId val="{00000000-BC99-45B6-AD7E-97FB5752A0E6}"/>
+            </c:ext>
+          </c:extLst>
+        </c:ser>
+        <c:ser>
+          <c:idx val="1"/>
+          <c:order val="1"/>
+          <c:tx>
+            <c:strRef>
+              <c:f>Hoja2!$C$1</c:f>
+              <c:strCache>
+                <c:ptCount val="1"/>
+                <c:pt idx="0">
+                  <c:v>DFS</c:v>
+                </c:pt>
+              </c:strCache>
+            </c:strRef>
+          </c:tx>
+          <c:spPr>
+            <a:ln w="28575" cap="rnd">
+              <a:solidFill>
+                <a:schemeClr val="accent2"/>
+              </a:solidFill>
+              <a:round/>
+            </a:ln>
+            <a:effectLst/>
+          </c:spPr>
+          <c:marker>
+            <c:symbol val="none"/>
+          </c:marker>
+          <c:cat>
+            <c:numRef>
+              <c:f>Hoja2!$A$2:$A$5</c:f>
+              <c:numCache>
+                <c:formatCode>General</c:formatCode>
+                <c:ptCount val="4"/>
+                <c:pt idx="0">
+                  <c:v>1</c:v>
+                </c:pt>
+                <c:pt idx="1">
+                  <c:v>2</c:v>
+                </c:pt>
+                <c:pt idx="2">
+                  <c:v>3</c:v>
+                </c:pt>
+                <c:pt idx="3">
+                  <c:v>4</c:v>
+                </c:pt>
+              </c:numCache>
+            </c:numRef>
+          </c:cat>
+          <c:val>
+            <c:numRef>
+              <c:f>Hoja2!$C$2:$C$5</c:f>
+              <c:numCache>
+                <c:formatCode>General</c:formatCode>
+                <c:ptCount val="4"/>
+                <c:pt idx="0">
+                  <c:v>1999</c:v>
+                </c:pt>
+                <c:pt idx="1">
+                  <c:v>0</c:v>
+                </c:pt>
+                <c:pt idx="2">
+                  <c:v>15625</c:v>
+                </c:pt>
+                <c:pt idx="3">
+                  <c:v>5998</c:v>
+                </c:pt>
+              </c:numCache>
+            </c:numRef>
+          </c:val>
+          <c:smooth val="0"/>
+          <c:extLst>
+            <c:ext xmlns:c16="http://schemas.microsoft.com/office/drawing/2014/chart" uri="{C3380CC4-5D6E-409C-BE32-E72D297353CC}">
+              <c16:uniqueId val="{00000001-BC99-45B6-AD7E-97FB5752A0E6}"/>
+            </c:ext>
+          </c:extLst>
+        </c:ser>
+        <c:ser>
+          <c:idx val="2"/>
+          <c:order val="2"/>
+          <c:tx>
+            <c:strRef>
+              <c:f>Hoja2!$D$1</c:f>
+              <c:strCache>
+                <c:ptCount val="1"/>
+                <c:pt idx="0">
+                  <c:v>Heuristica Manhattan</c:v>
+                </c:pt>
+              </c:strCache>
+            </c:strRef>
+          </c:tx>
+          <c:spPr>
+            <a:ln w="28575" cap="rnd">
+              <a:solidFill>
+                <a:schemeClr val="accent3"/>
+              </a:solidFill>
+              <a:round/>
+            </a:ln>
+            <a:effectLst/>
+          </c:spPr>
+          <c:marker>
+            <c:symbol val="none"/>
+          </c:marker>
+          <c:cat>
+            <c:numRef>
+              <c:f>Hoja2!$A$2:$A$5</c:f>
+              <c:numCache>
+                <c:formatCode>General</c:formatCode>
+                <c:ptCount val="4"/>
+                <c:pt idx="0">
+                  <c:v>1</c:v>
+                </c:pt>
+                <c:pt idx="1">
+                  <c:v>2</c:v>
+                </c:pt>
+                <c:pt idx="2">
+                  <c:v>3</c:v>
+                </c:pt>
+                <c:pt idx="3">
+                  <c:v>4</c:v>
+                </c:pt>
+              </c:numCache>
+            </c:numRef>
+          </c:cat>
+          <c:val>
+            <c:numRef>
+              <c:f>Hoja2!$D$2:$D$5</c:f>
+              <c:numCache>
+                <c:formatCode>General</c:formatCode>
+                <c:ptCount val="4"/>
+                <c:pt idx="0">
+                  <c:v>2998</c:v>
+                </c:pt>
+                <c:pt idx="1">
+                  <c:v>0</c:v>
+                </c:pt>
+                <c:pt idx="2">
+                  <c:v>0</c:v>
+                </c:pt>
+                <c:pt idx="3">
+                  <c:v>0</c:v>
+                </c:pt>
+              </c:numCache>
+            </c:numRef>
+          </c:val>
+          <c:smooth val="0"/>
+          <c:extLst>
+            <c:ext xmlns:c16="http://schemas.microsoft.com/office/drawing/2014/chart" uri="{C3380CC4-5D6E-409C-BE32-E72D297353CC}">
+              <c16:uniqueId val="{00000002-BC99-45B6-AD7E-97FB5752A0E6}"/>
+            </c:ext>
+          </c:extLst>
+        </c:ser>
+        <c:ser>
+          <c:idx val="3"/>
+          <c:order val="3"/>
+          <c:tx>
+            <c:strRef>
+              <c:f>Hoja2!$E$1</c:f>
+              <c:strCache>
+                <c:ptCount val="1"/>
+                <c:pt idx="0">
+                  <c:v>Heuristica Euclidea</c:v>
+                </c:pt>
+              </c:strCache>
+            </c:strRef>
+          </c:tx>
+          <c:spPr>
+            <a:ln w="28575" cap="rnd">
+              <a:solidFill>
+                <a:schemeClr val="accent4"/>
+              </a:solidFill>
+              <a:round/>
+            </a:ln>
+            <a:effectLst/>
+          </c:spPr>
+          <c:marker>
+            <c:symbol val="none"/>
+          </c:marker>
+          <c:cat>
+            <c:numRef>
+              <c:f>Hoja2!$A$2:$A$5</c:f>
+              <c:numCache>
+                <c:formatCode>General</c:formatCode>
+                <c:ptCount val="4"/>
+                <c:pt idx="0">
+                  <c:v>1</c:v>
+                </c:pt>
+                <c:pt idx="1">
+                  <c:v>2</c:v>
+                </c:pt>
+                <c:pt idx="2">
+                  <c:v>3</c:v>
+                </c:pt>
+                <c:pt idx="3">
+                  <c:v>4</c:v>
+                </c:pt>
+              </c:numCache>
+            </c:numRef>
+          </c:cat>
+          <c:val>
+            <c:numRef>
+              <c:f>Hoja2!$E$2:$E$5</c:f>
+              <c:numCache>
+                <c:formatCode>General</c:formatCode>
+                <c:ptCount val="4"/>
+                <c:pt idx="0">
+                  <c:v>2997</c:v>
+                </c:pt>
+                <c:pt idx="1">
+                  <c:v>15623</c:v>
+                </c:pt>
+                <c:pt idx="2">
+                  <c:v>1998</c:v>
+                </c:pt>
+                <c:pt idx="3">
+                  <c:v>0</c:v>
+                </c:pt>
+              </c:numCache>
+            </c:numRef>
+          </c:val>
+          <c:smooth val="0"/>
+          <c:extLst>
+            <c:ext xmlns:c16="http://schemas.microsoft.com/office/drawing/2014/chart" uri="{C3380CC4-5D6E-409C-BE32-E72D297353CC}">
+              <c16:uniqueId val="{00000003-BC99-45B6-AD7E-97FB5752A0E6}"/>
+            </c:ext>
+          </c:extLst>
+        </c:ser>
+        <c:dLbls>
+          <c:showLegendKey val="0"/>
+          <c:showVal val="0"/>
+          <c:showCatName val="0"/>
+          <c:showSerName val="0"/>
+          <c:showPercent val="0"/>
+          <c:showBubbleSize val="0"/>
+        </c:dLbls>
+        <c:smooth val="0"/>
+        <c:axId val="1920185968"/>
+        <c:axId val="1920180976"/>
+      </c:lineChart>
+      <c:catAx>
+        <c:axId val="1920185968"/>
+        <c:scaling>
+          <c:orientation val="minMax"/>
+        </c:scaling>
+        <c:delete val="0"/>
+        <c:axPos val="b"/>
+        <c:numFmt formatCode="General" sourceLinked="1"/>
+        <c:majorTickMark val="none"/>
+        <c:minorTickMark val="none"/>
+        <c:tickLblPos val="nextTo"/>
+        <c:spPr>
+          <a:noFill/>
+          <a:ln w="9525" cap="flat" cmpd="sng" algn="ctr">
+            <a:solidFill>
+              <a:schemeClr val="tx1">
+                <a:lumMod val="15000"/>
+                <a:lumOff val="85000"/>
+              </a:schemeClr>
+            </a:solidFill>
+            <a:round/>
+          </a:ln>
+          <a:effectLst/>
+        </c:spPr>
+        <c:txPr>
+          <a:bodyPr rot="-60000000" spcFirstLastPara="1" vertOverflow="ellipsis" vert="horz" wrap="square" anchor="ctr" anchorCtr="1"/>
+          <a:lstStyle/>
+          <a:p>
+            <a:pPr>
+              <a:defRPr sz="900" b="0" i="0" u="none" strike="noStrike" kern="1200" baseline="0">
+                <a:solidFill>
+                  <a:schemeClr val="tx1">
+                    <a:lumMod val="65000"/>
+                    <a:lumOff val="35000"/>
+                  </a:schemeClr>
+                </a:solidFill>
+                <a:latin typeface="+mn-lt"/>
+                <a:ea typeface="+mn-ea"/>
+                <a:cs typeface="+mn-cs"/>
+              </a:defRPr>
+            </a:pPr>
+            <a:endParaRPr lang="es-AR"/>
+          </a:p>
+        </c:txPr>
+        <c:crossAx val="1920180976"/>
+        <c:crosses val="autoZero"/>
+        <c:auto val="1"/>
+        <c:lblAlgn val="ctr"/>
+        <c:lblOffset val="100"/>
+        <c:noMultiLvlLbl val="0"/>
+      </c:catAx>
+      <c:valAx>
+        <c:axId val="1920180976"/>
+        <c:scaling>
+          <c:orientation val="minMax"/>
+        </c:scaling>
+        <c:delete val="0"/>
+        <c:axPos val="l"/>
+        <c:majorGridlines>
+          <c:spPr>
+            <a:ln w="9525" cap="flat" cmpd="sng" algn="ctr">
+              <a:solidFill>
+                <a:schemeClr val="tx1">
+                  <a:lumMod val="15000"/>
+                  <a:lumOff val="85000"/>
+                </a:schemeClr>
+              </a:solidFill>
+              <a:round/>
+            </a:ln>
+            <a:effectLst/>
+          </c:spPr>
+        </c:majorGridlines>
+        <c:numFmt formatCode="General" sourceLinked="1"/>
+        <c:majorTickMark val="none"/>
+        <c:minorTickMark val="none"/>
+        <c:tickLblPos val="nextTo"/>
+        <c:spPr>
+          <a:noFill/>
+          <a:ln>
+            <a:noFill/>
+          </a:ln>
+          <a:effectLst/>
+        </c:spPr>
+        <c:txPr>
+          <a:bodyPr rot="-60000000" spcFirstLastPara="1" vertOverflow="ellipsis" vert="horz" wrap="square" anchor="ctr" anchorCtr="1"/>
+          <a:lstStyle/>
+          <a:p>
+            <a:pPr>
+              <a:defRPr sz="900" b="0" i="0" u="none" strike="noStrike" kern="1200" baseline="0">
+                <a:solidFill>
+                  <a:schemeClr val="tx1">
+                    <a:lumMod val="65000"/>
+                    <a:lumOff val="35000"/>
+                  </a:schemeClr>
+                </a:solidFill>
+                <a:latin typeface="+mn-lt"/>
+                <a:ea typeface="+mn-ea"/>
+                <a:cs typeface="+mn-cs"/>
+              </a:defRPr>
+            </a:pPr>
+            <a:endParaRPr lang="es-AR"/>
+          </a:p>
+        </c:txPr>
+        <c:crossAx val="1920185968"/>
+        <c:crosses val="autoZero"/>
+        <c:crossBetween val="between"/>
+      </c:valAx>
+      <c:spPr>
+        <a:noFill/>
+        <a:ln>
+          <a:noFill/>
+        </a:ln>
+        <a:effectLst/>
+      </c:spPr>
+    </c:plotArea>
+    <c:legend>
+      <c:legendPos val="b"/>
+      <c:overlay val="0"/>
+      <c:spPr>
+        <a:noFill/>
+        <a:ln>
+          <a:noFill/>
+        </a:ln>
+        <a:effectLst/>
+      </c:spPr>
+      <c:txPr>
+        <a:bodyPr rot="0" spcFirstLastPara="1" vertOverflow="ellipsis" vert="horz" wrap="square" anchor="ctr" anchorCtr="1"/>
+        <a:lstStyle/>
+        <a:p>
+          <a:pPr>
+            <a:defRPr sz="900" b="0" i="0" u="none" strike="noStrike" kern="1200" baseline="0">
+              <a:solidFill>
+                <a:schemeClr val="tx1">
+                  <a:lumMod val="65000"/>
+                  <a:lumOff val="35000"/>
+                </a:schemeClr>
+              </a:solidFill>
+              <a:latin typeface="+mn-lt"/>
+              <a:ea typeface="+mn-ea"/>
+              <a:cs typeface="+mn-cs"/>
+            </a:defRPr>
+          </a:pPr>
+          <a:endParaRPr lang="es-AR"/>
+        </a:p>
+      </c:txPr>
+    </c:legend>
+    <c:plotVisOnly val="1"/>
+    <c:dispBlanksAs val="gap"/>
+    <c:showDLblsOverMax val="0"/>
+  </c:chart>
+  <c:spPr>
+    <a:noFill/>
+    <a:ln>
+      <a:noFill/>
+    </a:ln>
+    <a:effectLst/>
+  </c:spPr>
+  <c:txPr>
+    <a:bodyPr/>
+    <a:lstStyle/>
+    <a:p>
+      <a:pPr>
+        <a:defRPr/>
+      </a:pPr>
+      <a:endParaRPr lang="es-AR"/>
+    </a:p>
+  </c:txPr>
+  <c:externalData r:id="rId3">
+    <c:autoUpdate val="0"/>
+  </c:externalData>
+</c:chartSpace>
+</file>
+
+<file path=ppt/charts/chart2.xml><?xml version="1.0" encoding="utf-8"?>
+<c:chartSpace xmlns:c="http://schemas.openxmlformats.org/drawingml/2006/chart" xmlns:a="http://schemas.openxmlformats.org/drawingml/2006/main" xmlns:r="http://schemas.openxmlformats.org/officeDocument/2006/relationships" xmlns:c16r2="http://schemas.microsoft.com/office/drawing/2015/06/chart">
+  <c:date1904 val="0"/>
+  <c:lang val="es-ES"/>
+  <c:roundedCorners val="0"/>
+  <mc:AlternateContent xmlns:mc="http://schemas.openxmlformats.org/markup-compatibility/2006">
+    <mc:Choice xmlns:c14="http://schemas.microsoft.com/office/drawing/2007/8/2/chart" Requires="c14">
+      <c14:style val="102"/>
+    </mc:Choice>
+    <mc:Fallback>
+      <c:style val="2"/>
+    </mc:Fallback>
+  </mc:AlternateContent>
+  <c:chart>
+    <c:title>
+      <c:tx>
+        <c:rich>
+          <a:bodyPr rot="0" spcFirstLastPara="1" vertOverflow="ellipsis" vert="horz" wrap="square" anchor="ctr" anchorCtr="1"/>
+          <a:lstStyle/>
+          <a:p>
+            <a:pPr>
+              <a:defRPr sz="1400" b="0" i="0" u="none" strike="noStrike" kern="1200" spc="0" baseline="0">
+                <a:solidFill>
+                  <a:schemeClr val="tx1">
+                    <a:lumMod val="65000"/>
+                    <a:lumOff val="35000"/>
+                  </a:schemeClr>
+                </a:solidFill>
+                <a:latin typeface="+mn-lt"/>
+                <a:ea typeface="+mn-ea"/>
+                <a:cs typeface="+mn-cs"/>
+              </a:defRPr>
+            </a:pPr>
+            <a:r>
+              <a:rPr lang="es-AR"/>
+              <a:t>Costo versus Complejidad</a:t>
+            </a:r>
+          </a:p>
+        </c:rich>
+      </c:tx>
+      <c:overlay val="0"/>
+      <c:spPr>
+        <a:noFill/>
+        <a:ln>
+          <a:noFill/>
+        </a:ln>
+        <a:effectLst/>
+      </c:spPr>
+      <c:txPr>
+        <a:bodyPr rot="0" spcFirstLastPara="1" vertOverflow="ellipsis" vert="horz" wrap="square" anchor="ctr" anchorCtr="1"/>
+        <a:lstStyle/>
+        <a:p>
+          <a:pPr>
+            <a:defRPr sz="1400" b="0" i="0" u="none" strike="noStrike" kern="1200" spc="0" baseline="0">
+              <a:solidFill>
+                <a:schemeClr val="tx1">
+                  <a:lumMod val="65000"/>
+                  <a:lumOff val="35000"/>
+                </a:schemeClr>
+              </a:solidFill>
+              <a:latin typeface="+mn-lt"/>
+              <a:ea typeface="+mn-ea"/>
+              <a:cs typeface="+mn-cs"/>
+            </a:defRPr>
+          </a:pPr>
+          <a:endParaRPr lang="es-AR"/>
+        </a:p>
+      </c:txPr>
+    </c:title>
+    <c:autoTitleDeleted val="0"/>
+    <c:plotArea>
+      <c:layout/>
+      <c:lineChart>
+        <c:grouping val="standard"/>
+        <c:varyColors val="0"/>
+        <c:ser>
+          <c:idx val="0"/>
+          <c:order val="0"/>
+          <c:tx>
+            <c:strRef>
+              <c:f>Hoja3!$B$1</c:f>
+              <c:strCache>
+                <c:ptCount val="1"/>
+                <c:pt idx="0">
+                  <c:v>BFS</c:v>
+                </c:pt>
+              </c:strCache>
+            </c:strRef>
+          </c:tx>
+          <c:spPr>
+            <a:ln w="28575" cap="rnd">
+              <a:solidFill>
+                <a:schemeClr val="accent1"/>
+              </a:solidFill>
+              <a:round/>
+            </a:ln>
+            <a:effectLst/>
+          </c:spPr>
+          <c:marker>
+            <c:symbol val="none"/>
+          </c:marker>
+          <c:cat>
+            <c:numRef>
+              <c:f>Hoja3!$A$2:$A$5</c:f>
+              <c:numCache>
+                <c:formatCode>General</c:formatCode>
+                <c:ptCount val="4"/>
+                <c:pt idx="0">
+                  <c:v>1</c:v>
+                </c:pt>
+                <c:pt idx="1">
+                  <c:v>2</c:v>
+                </c:pt>
+                <c:pt idx="2">
+                  <c:v>3</c:v>
+                </c:pt>
+                <c:pt idx="3">
+                  <c:v>4</c:v>
+                </c:pt>
+              </c:numCache>
+            </c:numRef>
+          </c:cat>
+          <c:val>
+            <c:numRef>
+              <c:f>Hoja3!$B$2:$B$5</c:f>
+              <c:numCache>
+                <c:formatCode>General</c:formatCode>
+                <c:ptCount val="4"/>
+                <c:pt idx="0">
+                  <c:v>23</c:v>
+                </c:pt>
+                <c:pt idx="1">
+                  <c:v>34</c:v>
+                </c:pt>
+                <c:pt idx="2">
+                  <c:v>19</c:v>
+                </c:pt>
+                <c:pt idx="3">
+                  <c:v>71</c:v>
+                </c:pt>
+              </c:numCache>
+            </c:numRef>
+          </c:val>
+          <c:smooth val="0"/>
+          <c:extLst>
+            <c:ext xmlns:c16="http://schemas.microsoft.com/office/drawing/2014/chart" uri="{C3380CC4-5D6E-409C-BE32-E72D297353CC}">
+              <c16:uniqueId val="{00000000-B8AA-4419-9E55-D788A3188B55}"/>
+            </c:ext>
+          </c:extLst>
+        </c:ser>
+        <c:ser>
+          <c:idx val="1"/>
+          <c:order val="1"/>
+          <c:tx>
+            <c:strRef>
+              <c:f>Hoja3!$C$1</c:f>
+              <c:strCache>
+                <c:ptCount val="1"/>
+                <c:pt idx="0">
+                  <c:v>DFS</c:v>
+                </c:pt>
+              </c:strCache>
+            </c:strRef>
+          </c:tx>
+          <c:spPr>
+            <a:ln w="28575" cap="rnd">
+              <a:solidFill>
+                <a:schemeClr val="accent2"/>
+              </a:solidFill>
+              <a:round/>
+            </a:ln>
+            <a:effectLst/>
+          </c:spPr>
+          <c:marker>
+            <c:symbol val="none"/>
+          </c:marker>
+          <c:cat>
+            <c:numRef>
+              <c:f>Hoja3!$A$2:$A$5</c:f>
+              <c:numCache>
+                <c:formatCode>General</c:formatCode>
+                <c:ptCount val="4"/>
+                <c:pt idx="0">
+                  <c:v>1</c:v>
+                </c:pt>
+                <c:pt idx="1">
+                  <c:v>2</c:v>
+                </c:pt>
+                <c:pt idx="2">
+                  <c:v>3</c:v>
+                </c:pt>
+                <c:pt idx="3">
+                  <c:v>4</c:v>
+                </c:pt>
+              </c:numCache>
+            </c:numRef>
+          </c:cat>
+          <c:val>
+            <c:numRef>
+              <c:f>Hoja3!$C$2:$C$5</c:f>
+              <c:numCache>
+                <c:formatCode>General</c:formatCode>
+                <c:ptCount val="4"/>
+                <c:pt idx="0">
+                  <c:v>13</c:v>
+                </c:pt>
+                <c:pt idx="1">
+                  <c:v>36</c:v>
+                </c:pt>
+                <c:pt idx="2">
+                  <c:v>24</c:v>
+                </c:pt>
+                <c:pt idx="3">
+                  <c:v>66</c:v>
+                </c:pt>
+              </c:numCache>
+            </c:numRef>
+          </c:val>
+          <c:smooth val="0"/>
+          <c:extLst>
+            <c:ext xmlns:c16="http://schemas.microsoft.com/office/drawing/2014/chart" uri="{C3380CC4-5D6E-409C-BE32-E72D297353CC}">
+              <c16:uniqueId val="{00000001-B8AA-4419-9E55-D788A3188B55}"/>
+            </c:ext>
+          </c:extLst>
+        </c:ser>
+        <c:ser>
+          <c:idx val="2"/>
+          <c:order val="2"/>
+          <c:tx>
+            <c:strRef>
+              <c:f>Hoja3!$D$1</c:f>
+              <c:strCache>
+                <c:ptCount val="1"/>
+                <c:pt idx="0">
+                  <c:v>Heuristica Manhattan</c:v>
+                </c:pt>
+              </c:strCache>
+            </c:strRef>
+          </c:tx>
+          <c:spPr>
+            <a:ln w="28575" cap="rnd">
+              <a:solidFill>
+                <a:schemeClr val="accent3"/>
+              </a:solidFill>
+              <a:round/>
+            </a:ln>
+            <a:effectLst/>
+          </c:spPr>
+          <c:marker>
+            <c:symbol val="none"/>
+          </c:marker>
+          <c:cat>
+            <c:numRef>
+              <c:f>Hoja3!$A$2:$A$5</c:f>
+              <c:numCache>
+                <c:formatCode>General</c:formatCode>
+                <c:ptCount val="4"/>
+                <c:pt idx="0">
+                  <c:v>1</c:v>
+                </c:pt>
+                <c:pt idx="1">
+                  <c:v>2</c:v>
+                </c:pt>
+                <c:pt idx="2">
+                  <c:v>3</c:v>
+                </c:pt>
+                <c:pt idx="3">
+                  <c:v>4</c:v>
+                </c:pt>
+              </c:numCache>
+            </c:numRef>
+          </c:cat>
+          <c:val>
+            <c:numRef>
+              <c:f>Hoja3!$D$2:$D$5</c:f>
+              <c:numCache>
+                <c:formatCode>General</c:formatCode>
+                <c:ptCount val="4"/>
+                <c:pt idx="0">
+                  <c:v>56</c:v>
+                </c:pt>
+                <c:pt idx="1">
+                  <c:v>24</c:v>
+                </c:pt>
+                <c:pt idx="2">
+                  <c:v>53</c:v>
+                </c:pt>
+                <c:pt idx="3">
+                  <c:v>272</c:v>
+                </c:pt>
+              </c:numCache>
+            </c:numRef>
+          </c:val>
+          <c:smooth val="0"/>
+          <c:extLst>
+            <c:ext xmlns:c16="http://schemas.microsoft.com/office/drawing/2014/chart" uri="{C3380CC4-5D6E-409C-BE32-E72D297353CC}">
+              <c16:uniqueId val="{00000002-B8AA-4419-9E55-D788A3188B55}"/>
+            </c:ext>
+          </c:extLst>
+        </c:ser>
+        <c:ser>
+          <c:idx val="3"/>
+          <c:order val="3"/>
+          <c:tx>
+            <c:strRef>
+              <c:f>Hoja3!$E$1</c:f>
+              <c:strCache>
+                <c:ptCount val="1"/>
+                <c:pt idx="0">
+                  <c:v>Heuristica Euclidea</c:v>
+                </c:pt>
+              </c:strCache>
+            </c:strRef>
+          </c:tx>
+          <c:spPr>
+            <a:ln w="28575" cap="rnd">
+              <a:solidFill>
+                <a:schemeClr val="accent4"/>
+              </a:solidFill>
+              <a:round/>
+            </a:ln>
+            <a:effectLst/>
+          </c:spPr>
+          <c:marker>
+            <c:symbol val="none"/>
+          </c:marker>
+          <c:cat>
+            <c:numRef>
+              <c:f>Hoja3!$A$2:$A$5</c:f>
+              <c:numCache>
+                <c:formatCode>General</c:formatCode>
+                <c:ptCount val="4"/>
+                <c:pt idx="0">
+                  <c:v>1</c:v>
+                </c:pt>
+                <c:pt idx="1">
+                  <c:v>2</c:v>
+                </c:pt>
+                <c:pt idx="2">
+                  <c:v>3</c:v>
+                </c:pt>
+                <c:pt idx="3">
+                  <c:v>4</c:v>
+                </c:pt>
+              </c:numCache>
+            </c:numRef>
+          </c:cat>
+          <c:val>
+            <c:numRef>
+              <c:f>Hoja3!$E$2:$E$5</c:f>
+              <c:numCache>
+                <c:formatCode>General</c:formatCode>
+                <c:ptCount val="4"/>
+                <c:pt idx="0">
+                  <c:v>47</c:v>
+                </c:pt>
+                <c:pt idx="1">
+                  <c:v>21</c:v>
+                </c:pt>
+                <c:pt idx="2">
+                  <c:v>34</c:v>
+                </c:pt>
+                <c:pt idx="3">
+                  <c:v>219</c:v>
+                </c:pt>
+              </c:numCache>
+            </c:numRef>
+          </c:val>
+          <c:smooth val="0"/>
+          <c:extLst>
+            <c:ext xmlns:c16="http://schemas.microsoft.com/office/drawing/2014/chart" uri="{C3380CC4-5D6E-409C-BE32-E72D297353CC}">
+              <c16:uniqueId val="{00000003-B8AA-4419-9E55-D788A3188B55}"/>
+            </c:ext>
+          </c:extLst>
+        </c:ser>
+        <c:dLbls>
+          <c:showLegendKey val="0"/>
+          <c:showVal val="0"/>
+          <c:showCatName val="0"/>
+          <c:showSerName val="0"/>
+          <c:showPercent val="0"/>
+          <c:showBubbleSize val="0"/>
+        </c:dLbls>
+        <c:smooth val="0"/>
+        <c:axId val="1878407840"/>
+        <c:axId val="1878404512"/>
+      </c:lineChart>
+      <c:catAx>
+        <c:axId val="1878407840"/>
+        <c:scaling>
+          <c:orientation val="minMax"/>
+        </c:scaling>
+        <c:delete val="0"/>
+        <c:axPos val="b"/>
+        <c:numFmt formatCode="General" sourceLinked="1"/>
+        <c:majorTickMark val="none"/>
+        <c:minorTickMark val="none"/>
+        <c:tickLblPos val="nextTo"/>
+        <c:spPr>
+          <a:noFill/>
+          <a:ln w="9525" cap="flat" cmpd="sng" algn="ctr">
+            <a:solidFill>
+              <a:schemeClr val="tx1">
+                <a:lumMod val="15000"/>
+                <a:lumOff val="85000"/>
+              </a:schemeClr>
+            </a:solidFill>
+            <a:round/>
+          </a:ln>
+          <a:effectLst/>
+        </c:spPr>
+        <c:txPr>
+          <a:bodyPr rot="-60000000" spcFirstLastPara="1" vertOverflow="ellipsis" vert="horz" wrap="square" anchor="ctr" anchorCtr="1"/>
+          <a:lstStyle/>
+          <a:p>
+            <a:pPr>
+              <a:defRPr sz="900" b="0" i="0" u="none" strike="noStrike" kern="1200" baseline="0">
+                <a:solidFill>
+                  <a:schemeClr val="tx1">
+                    <a:lumMod val="65000"/>
+                    <a:lumOff val="35000"/>
+                  </a:schemeClr>
+                </a:solidFill>
+                <a:latin typeface="+mn-lt"/>
+                <a:ea typeface="+mn-ea"/>
+                <a:cs typeface="+mn-cs"/>
+              </a:defRPr>
+            </a:pPr>
+            <a:endParaRPr lang="es-AR"/>
+          </a:p>
+        </c:txPr>
+        <c:crossAx val="1878404512"/>
+        <c:crosses val="autoZero"/>
+        <c:auto val="1"/>
+        <c:lblAlgn val="ctr"/>
+        <c:lblOffset val="100"/>
+        <c:noMultiLvlLbl val="0"/>
+      </c:catAx>
+      <c:valAx>
+        <c:axId val="1878404512"/>
+        <c:scaling>
+          <c:orientation val="minMax"/>
+        </c:scaling>
+        <c:delete val="0"/>
+        <c:axPos val="l"/>
+        <c:majorGridlines>
+          <c:spPr>
+            <a:ln w="9525" cap="flat" cmpd="sng" algn="ctr">
+              <a:solidFill>
+                <a:schemeClr val="tx1">
+                  <a:lumMod val="15000"/>
+                  <a:lumOff val="85000"/>
+                </a:schemeClr>
+              </a:solidFill>
+              <a:round/>
+            </a:ln>
+            <a:effectLst/>
+          </c:spPr>
+        </c:majorGridlines>
+        <c:numFmt formatCode="General" sourceLinked="1"/>
+        <c:majorTickMark val="none"/>
+        <c:minorTickMark val="none"/>
+        <c:tickLblPos val="nextTo"/>
+        <c:spPr>
+          <a:noFill/>
+          <a:ln>
+            <a:noFill/>
+          </a:ln>
+          <a:effectLst/>
+        </c:spPr>
+        <c:txPr>
+          <a:bodyPr rot="-60000000" spcFirstLastPara="1" vertOverflow="ellipsis" vert="horz" wrap="square" anchor="ctr" anchorCtr="1"/>
+          <a:lstStyle/>
+          <a:p>
+            <a:pPr>
+              <a:defRPr sz="900" b="0" i="0" u="none" strike="noStrike" kern="1200" baseline="0">
+                <a:solidFill>
+                  <a:schemeClr val="tx1">
+                    <a:lumMod val="65000"/>
+                    <a:lumOff val="35000"/>
+                  </a:schemeClr>
+                </a:solidFill>
+                <a:latin typeface="+mn-lt"/>
+                <a:ea typeface="+mn-ea"/>
+                <a:cs typeface="+mn-cs"/>
+              </a:defRPr>
+            </a:pPr>
+            <a:endParaRPr lang="es-AR"/>
+          </a:p>
+        </c:txPr>
+        <c:crossAx val="1878407840"/>
+        <c:crosses val="autoZero"/>
+        <c:crossBetween val="between"/>
+      </c:valAx>
+      <c:spPr>
+        <a:noFill/>
+        <a:ln>
+          <a:noFill/>
+        </a:ln>
+        <a:effectLst/>
+      </c:spPr>
+    </c:plotArea>
+    <c:legend>
+      <c:legendPos val="b"/>
+      <c:overlay val="0"/>
+      <c:spPr>
+        <a:noFill/>
+        <a:ln>
+          <a:noFill/>
+        </a:ln>
+        <a:effectLst/>
+      </c:spPr>
+      <c:txPr>
+        <a:bodyPr rot="0" spcFirstLastPara="1" vertOverflow="ellipsis" vert="horz" wrap="square" anchor="ctr" anchorCtr="1"/>
+        <a:lstStyle/>
+        <a:p>
+          <a:pPr>
+            <a:defRPr sz="900" b="0" i="0" u="none" strike="noStrike" kern="1200" baseline="0">
+              <a:solidFill>
+                <a:schemeClr val="tx1">
+                  <a:lumMod val="65000"/>
+                  <a:lumOff val="35000"/>
+                </a:schemeClr>
+              </a:solidFill>
+              <a:latin typeface="+mn-lt"/>
+              <a:ea typeface="+mn-ea"/>
+              <a:cs typeface="+mn-cs"/>
+            </a:defRPr>
+          </a:pPr>
+          <a:endParaRPr lang="es-AR"/>
+        </a:p>
+      </c:txPr>
+    </c:legend>
+    <c:plotVisOnly val="1"/>
+    <c:dispBlanksAs val="gap"/>
+    <c:showDLblsOverMax val="0"/>
+  </c:chart>
+  <c:spPr>
+    <a:noFill/>
+    <a:ln>
+      <a:noFill/>
+    </a:ln>
+    <a:effectLst/>
+  </c:spPr>
+  <c:txPr>
+    <a:bodyPr/>
+    <a:lstStyle/>
+    <a:p>
+      <a:pPr>
+        <a:defRPr/>
+      </a:pPr>
+      <a:endParaRPr lang="es-AR"/>
+    </a:p>
+  </c:txPr>
+  <c:externalData r:id="rId3">
+    <c:autoUpdate val="0"/>
+  </c:externalData>
+</c:chartSpace>
+</file>
+
+<file path=ppt/charts/colors1.xml><?xml version="1.0" encoding="utf-8"?>
+<cs:colorStyle xmlns:cs="http://schemas.microsoft.com/office/drawing/2012/chartStyle" xmlns:a="http://schemas.openxmlformats.org/drawingml/2006/main" meth="cycle" id="10">
+  <a:schemeClr val="accent1"/>
+  <a:schemeClr val="accent2"/>
+  <a:schemeClr val="accent3"/>
+  <a:schemeClr val="accent4"/>
+  <a:schemeClr val="accent5"/>
+  <a:schemeClr val="accent6"/>
+  <cs:variation/>
+  <cs:variation>
+    <a:lumMod val="60000"/>
+  </cs:variation>
+  <cs:variation>
+    <a:lumMod val="80000"/>
+    <a:lumOff val="20000"/>
+  </cs:variation>
+  <cs:variation>
+    <a:lumMod val="80000"/>
+  </cs:variation>
+  <cs:variation>
+    <a:lumMod val="60000"/>
+    <a:lumOff val="40000"/>
+  </cs:variation>
+  <cs:variation>
+    <a:lumMod val="50000"/>
+  </cs:variation>
+  <cs:variation>
+    <a:lumMod val="70000"/>
+    <a:lumOff val="30000"/>
+  </cs:variation>
+  <cs:variation>
+    <a:lumMod val="70000"/>
+  </cs:variation>
+  <cs:variation>
+    <a:lumMod val="50000"/>
+    <a:lumOff val="50000"/>
+  </cs:variation>
+</cs:colorStyle>
+</file>
+
+<file path=ppt/charts/colors2.xml><?xml version="1.0" encoding="utf-8"?>
+<cs:colorStyle xmlns:cs="http://schemas.microsoft.com/office/drawing/2012/chartStyle" xmlns:a="http://schemas.openxmlformats.org/drawingml/2006/main" meth="cycle" id="10">
+  <a:schemeClr val="accent1"/>
+  <a:schemeClr val="accent2"/>
+  <a:schemeClr val="accent3"/>
+  <a:schemeClr val="accent4"/>
+  <a:schemeClr val="accent5"/>
+  <a:schemeClr val="accent6"/>
+  <cs:variation/>
+  <cs:variation>
+    <a:lumMod val="60000"/>
+  </cs:variation>
+  <cs:variation>
+    <a:lumMod val="80000"/>
+    <a:lumOff val="20000"/>
+  </cs:variation>
+  <cs:variation>
+    <a:lumMod val="80000"/>
+  </cs:variation>
+  <cs:variation>
+    <a:lumMod val="60000"/>
+    <a:lumOff val="40000"/>
+  </cs:variation>
+  <cs:variation>
+    <a:lumMod val="50000"/>
+  </cs:variation>
+  <cs:variation>
+    <a:lumMod val="70000"/>
+    <a:lumOff val="30000"/>
+  </cs:variation>
+  <cs:variation>
+    <a:lumMod val="70000"/>
+  </cs:variation>
+  <cs:variation>
+    <a:lumMod val="50000"/>
+    <a:lumOff val="50000"/>
+  </cs:variation>
+</cs:colorStyle>
+</file>
+
+<file path=ppt/charts/style1.xml><?xml version="1.0" encoding="utf-8"?>
+<cs:chartStyle xmlns:cs="http://schemas.microsoft.com/office/drawing/2012/chartStyle" xmlns:a="http://schemas.openxmlformats.org/drawingml/2006/main" id="227">
+  <cs:axisTitle>
+    <cs:lnRef idx="0"/>
+    <cs:fillRef idx="0"/>
+    <cs:effectRef idx="0"/>
+    <cs:fontRef idx="minor">
+      <a:schemeClr val="tx1">
+        <a:lumMod val="65000"/>
+        <a:lumOff val="35000"/>
+      </a:schemeClr>
+    </cs:fontRef>
+    <cs:defRPr sz="1000" kern="1200"/>
+  </cs:axisTitle>
+  <cs:categoryAxis>
+    <cs:lnRef idx="0"/>
+    <cs:fillRef idx="0"/>
+    <cs:effectRef idx="0"/>
+    <cs:fontRef idx="minor">
+      <a:schemeClr val="tx1">
+        <a:lumMod val="65000"/>
+        <a:lumOff val="35000"/>
+      </a:schemeClr>
+    </cs:fontRef>
+    <cs:spPr>
+      <a:ln w="9525" cap="flat" cmpd="sng" algn="ctr">
+        <a:solidFill>
+          <a:schemeClr val="tx1">
+            <a:lumMod val="15000"/>
+            <a:lumOff val="85000"/>
+          </a:schemeClr>
+        </a:solidFill>
+        <a:round/>
+      </a:ln>
+    </cs:spPr>
+    <cs:defRPr sz="900" kern="1200"/>
+  </cs:categoryAxis>
+  <cs:chartArea mods="allowNoFillOverride allowNoLineOverride">
+    <cs:lnRef idx="0"/>
+    <cs:fillRef idx="0"/>
+    <cs:effectRef idx="0"/>
+    <cs:fontRef idx="minor">
+      <a:schemeClr val="tx1"/>
+    </cs:fontRef>
+    <cs:spPr>
+      <a:solidFill>
+        <a:schemeClr val="bg1"/>
+      </a:solidFill>
+      <a:ln w="9525" cap="flat" cmpd="sng" algn="ctr">
+        <a:solidFill>
+          <a:schemeClr val="tx1">
+            <a:lumMod val="15000"/>
+            <a:lumOff val="85000"/>
+          </a:schemeClr>
+        </a:solidFill>
+        <a:round/>
+      </a:ln>
+    </cs:spPr>
+    <cs:defRPr sz="1000" kern="1200"/>
+  </cs:chartArea>
+  <cs:dataLabel>
+    <cs:lnRef idx="0"/>
+    <cs:fillRef idx="0"/>
+    <cs:effectRef idx="0"/>
+    <cs:fontRef idx="minor">
+      <a:schemeClr val="tx1">
+        <a:lumMod val="75000"/>
+        <a:lumOff val="25000"/>
+      </a:schemeClr>
+    </cs:fontRef>
+    <cs:defRPr sz="900" kern="1200"/>
+  </cs:dataLabel>
+  <cs:dataLabelCallout>
+    <cs:lnRef idx="0"/>
+    <cs:fillRef idx="0"/>
+    <cs:effectRef idx="0"/>
+    <cs:fontRef idx="minor">
+      <a:schemeClr val="dk1">
+        <a:lumMod val="65000"/>
+        <a:lumOff val="35000"/>
+      </a:schemeClr>
+    </cs:fontRef>
+    <cs:spPr>
+      <a:solidFill>
+        <a:schemeClr val="lt1"/>
+      </a:solidFill>
+      <a:ln>
+        <a:solidFill>
+          <a:schemeClr val="dk1">
+            <a:lumMod val="25000"/>
+            <a:lumOff val="75000"/>
+          </a:schemeClr>
+        </a:solidFill>
+      </a:ln>
+    </cs:spPr>
+    <cs:defRPr sz="900" kern="1200"/>
+    <cs:bodyPr rot="0" spcFirstLastPara="1" vertOverflow="clip" horzOverflow="clip" vert="horz" wrap="square" lIns="36576" tIns="18288" rIns="36576" bIns="18288" anchor="ctr" anchorCtr="1">
+      <a:spAutoFit/>
+    </cs:bodyPr>
+  </cs:dataLabelCallout>
+  <cs:dataPoint>
+    <cs:lnRef idx="0"/>
+    <cs:fillRef idx="1">
+      <cs:styleClr val="auto"/>
+    </cs:fillRef>
+    <cs:effectRef idx="0"/>
+    <cs:fontRef idx="minor">
+      <a:schemeClr val="tx1"/>
+    </cs:fontRef>
+    <cs:spPr>
+      <a:solidFill>
+        <a:schemeClr val="phClr"/>
+      </a:solidFill>
+    </cs:spPr>
+  </cs:dataPoint>
+  <cs:dataPoint3D>
+    <cs:lnRef idx="0"/>
+    <cs:fillRef idx="1">
+      <cs:styleClr val="auto"/>
+    </cs:fillRef>
+    <cs:effectRef idx="0"/>
+    <cs:fontRef idx="minor">
+      <a:schemeClr val="tx1"/>
+    </cs:fontRef>
+    <cs:spPr>
+      <a:solidFill>
+        <a:schemeClr val="phClr"/>
+      </a:solidFill>
+    </cs:spPr>
+  </cs:dataPoint3D>
+  <cs:dataPointLine>
+    <cs:lnRef idx="0">
+      <cs:styleClr val="auto"/>
+    </cs:lnRef>
+    <cs:fillRef idx="1"/>
+    <cs:effectRef idx="0"/>
+    <cs:fontRef idx="minor">
+      <a:schemeClr val="tx1"/>
+    </cs:fontRef>
+    <cs:spPr>
+      <a:ln w="28575" cap="rnd">
+        <a:solidFill>
+          <a:schemeClr val="phClr"/>
+        </a:solidFill>
+        <a:round/>
+      </a:ln>
+    </cs:spPr>
+  </cs:dataPointLine>
+  <cs:dataPointMarker>
+    <cs:lnRef idx="0">
+      <cs:styleClr val="auto"/>
+    </cs:lnRef>
+    <cs:fillRef idx="1">
+      <cs:styleClr val="auto"/>
+    </cs:fillRef>
+    <cs:effectRef idx="0"/>
+    <cs:fontRef idx="minor">
+      <a:schemeClr val="tx1"/>
+    </cs:fontRef>
+    <cs:spPr>
+      <a:solidFill>
+        <a:schemeClr val="phClr"/>
+      </a:solidFill>
+      <a:ln w="9525">
+        <a:solidFill>
+          <a:schemeClr val="phClr"/>
+        </a:solidFill>
+      </a:ln>
+    </cs:spPr>
+  </cs:dataPointMarker>
+  <cs:dataPointMarkerLayout symbol="circle" size="5"/>
+  <cs:dataPointWireframe>
+    <cs:lnRef idx="0">
+      <cs:styleClr val="auto"/>
+    </cs:lnRef>
+    <cs:fillRef idx="1"/>
+    <cs:effectRef idx="0"/>
+    <cs:fontRef idx="minor">
+      <a:schemeClr val="tx1"/>
+    </cs:fontRef>
+    <cs:spPr>
+      <a:ln w="9525" cap="rnd">
+        <a:solidFill>
+          <a:schemeClr val="phClr"/>
+        </a:solidFill>
+        <a:round/>
+      </a:ln>
+    </cs:spPr>
+  </cs:dataPointWireframe>
+  <cs:dataTable>
+    <cs:lnRef idx="0"/>
+    <cs:fillRef idx="0"/>
+    <cs:effectRef idx="0"/>
+    <cs:fontRef idx="minor">
+      <a:schemeClr val="tx1">
+        <a:lumMod val="65000"/>
+        <a:lumOff val="35000"/>
+      </a:schemeClr>
+    </cs:fontRef>
+    <cs:spPr>
+      <a:noFill/>
+      <a:ln w="9525" cap="flat" cmpd="sng" algn="ctr">
+        <a:solidFill>
+          <a:schemeClr val="tx1">
+            <a:lumMod val="15000"/>
+            <a:lumOff val="85000"/>
+          </a:schemeClr>
+        </a:solidFill>
+        <a:round/>
+      </a:ln>
+    </cs:spPr>
+    <cs:defRPr sz="900" kern="1200"/>
+  </cs:dataTable>
+  <cs:downBar>
+    <cs:lnRef idx="0"/>
+    <cs:fillRef idx="0"/>
+    <cs:effectRef idx="0"/>
+    <cs:fontRef idx="minor">
+      <a:schemeClr val="dk1"/>
+    </cs:fontRef>
+    <cs:spPr>
+      <a:solidFill>
+        <a:schemeClr val="dk1">
+          <a:lumMod val="65000"/>
+          <a:lumOff val="35000"/>
+        </a:schemeClr>
+      </a:solidFill>
+      <a:ln w="9525">
+        <a:solidFill>
+          <a:schemeClr val="tx1">
+            <a:lumMod val="65000"/>
+            <a:lumOff val="35000"/>
+          </a:schemeClr>
+        </a:solidFill>
+      </a:ln>
+    </cs:spPr>
+  </cs:downBar>
+  <cs:dropLine>
+    <cs:lnRef idx="0"/>
+    <cs:fillRef idx="0"/>
+    <cs:effectRef idx="0"/>
+    <cs:fontRef idx="minor">
+      <a:schemeClr val="tx1"/>
+    </cs:fontRef>
+    <cs:spPr>
+      <a:ln w="9525" cap="flat" cmpd="sng" algn="ctr">
+        <a:solidFill>
+          <a:schemeClr val="tx1">
+            <a:lumMod val="35000"/>
+            <a:lumOff val="65000"/>
+          </a:schemeClr>
+        </a:solidFill>
+        <a:round/>
+      </a:ln>
+    </cs:spPr>
+  </cs:dropLine>
+  <cs:errorBar>
+    <cs:lnRef idx="0"/>
+    <cs:fillRef idx="0"/>
+    <cs:effectRef idx="0"/>
+    <cs:fontRef idx="minor">
+      <a:schemeClr val="tx1"/>
+    </cs:fontRef>
+    <cs:spPr>
+      <a:ln w="9525" cap="flat" cmpd="sng" algn="ctr">
+        <a:solidFill>
+          <a:schemeClr val="tx1">
+            <a:lumMod val="65000"/>
+            <a:lumOff val="35000"/>
+          </a:schemeClr>
+        </a:solidFill>
+        <a:round/>
+      </a:ln>
+    </cs:spPr>
+  </cs:errorBar>
+  <cs:floor>
+    <cs:lnRef idx="0"/>
+    <cs:fillRef idx="0"/>
+    <cs:effectRef idx="0"/>
+    <cs:fontRef idx="minor">
+      <a:schemeClr val="tx1"/>
+    </cs:fontRef>
+    <cs:spPr>
+      <a:noFill/>
+      <a:ln>
+        <a:noFill/>
+      </a:ln>
+    </cs:spPr>
+  </cs:floor>
+  <cs:gridlineMajor>
+    <cs:lnRef idx="0"/>
+    <cs:fillRef idx="0"/>
+    <cs:effectRef idx="0"/>
+    <cs:fontRef idx="minor">
+      <a:schemeClr val="tx1"/>
+    </cs:fontRef>
+    <cs:spPr>
+      <a:ln w="9525" cap="flat" cmpd="sng" algn="ctr">
+        <a:solidFill>
+          <a:schemeClr val="tx1">
+            <a:lumMod val="15000"/>
+            <a:lumOff val="85000"/>
+          </a:schemeClr>
+        </a:solidFill>
+        <a:round/>
+      </a:ln>
+    </cs:spPr>
+  </cs:gridlineMajor>
+  <cs:gridlineMinor>
+    <cs:lnRef idx="0"/>
+    <cs:fillRef idx="0"/>
+    <cs:effectRef idx="0"/>
+    <cs:fontRef idx="minor">
+      <a:schemeClr val="tx1"/>
+    </cs:fontRef>
+    <cs:spPr>
+      <a:ln w="9525" cap="flat" cmpd="sng" algn="ctr">
+        <a:solidFill>
+          <a:schemeClr val="tx1">
+            <a:lumMod val="5000"/>
+            <a:lumOff val="95000"/>
+          </a:schemeClr>
+        </a:solidFill>
+        <a:round/>
+      </a:ln>
+    </cs:spPr>
+  </cs:gridlineMinor>
+  <cs:hiLoLine>
+    <cs:lnRef idx="0"/>
+    <cs:fillRef idx="0"/>
+    <cs:effectRef idx="0"/>
+    <cs:fontRef idx="minor">
+      <a:schemeClr val="tx1"/>
+    </cs:fontRef>
+    <cs:spPr>
+      <a:ln w="9525" cap="flat" cmpd="sng" algn="ctr">
+        <a:solidFill>
+          <a:schemeClr val="tx1">
+            <a:lumMod val="75000"/>
+            <a:lumOff val="25000"/>
+          </a:schemeClr>
+        </a:solidFill>
+        <a:round/>
+      </a:ln>
+    </cs:spPr>
+  </cs:hiLoLine>
+  <cs:leaderLine>
+    <cs:lnRef idx="0"/>
+    <cs:fillRef idx="0"/>
+    <cs:effectRef idx="0"/>
+    <cs:fontRef idx="minor">
+      <a:schemeClr val="tx1"/>
+    </cs:fontRef>
+    <cs:spPr>
+      <a:ln w="9525" cap="flat" cmpd="sng" algn="ctr">
+        <a:solidFill>
+          <a:schemeClr val="tx1">
+            <a:lumMod val="35000"/>
+            <a:lumOff val="65000"/>
+          </a:schemeClr>
+        </a:solidFill>
+        <a:round/>
+      </a:ln>
+    </cs:spPr>
+  </cs:leaderLine>
+  <cs:legend>
+    <cs:lnRef idx="0"/>
+    <cs:fillRef idx="0"/>
+    <cs:effectRef idx="0"/>
+    <cs:fontRef idx="minor">
+      <a:schemeClr val="tx1">
+        <a:lumMod val="65000"/>
+        <a:lumOff val="35000"/>
+      </a:schemeClr>
+    </cs:fontRef>
+    <cs:defRPr sz="900" kern="1200"/>
+  </cs:legend>
+  <cs:plotArea mods="allowNoFillOverride allowNoLineOverride">
+    <cs:lnRef idx="0"/>
+    <cs:fillRef idx="0"/>
+    <cs:effectRef idx="0"/>
+    <cs:fontRef idx="minor">
+      <a:schemeClr val="tx1"/>
+    </cs:fontRef>
+  </cs:plotArea>
+  <cs:plotArea3D mods="allowNoFillOverride allowNoLineOverride">
+    <cs:lnRef idx="0"/>
+    <cs:fillRef idx="0"/>
+    <cs:effectRef idx="0"/>
+    <cs:fontRef idx="minor">
+      <a:schemeClr val="tx1"/>
+    </cs:fontRef>
+  </cs:plotArea3D>
+  <cs:seriesAxis>
+    <cs:lnRef idx="0"/>
+    <cs:fillRef idx="0"/>
+    <cs:effectRef idx="0"/>
+    <cs:fontRef idx="minor">
+      <a:schemeClr val="tx1">
+        <a:lumMod val="65000"/>
+        <a:lumOff val="35000"/>
+      </a:schemeClr>
+    </cs:fontRef>
+    <cs:defRPr sz="900" kern="1200"/>
+  </cs:seriesAxis>
+  <cs:seriesLine>
+    <cs:lnRef idx="0"/>
+    <cs:fillRef idx="0"/>
+    <cs:effectRef idx="0"/>
+    <cs:fontRef idx="minor">
+      <a:schemeClr val="tx1"/>
+    </cs:fontRef>
+    <cs:spPr>
+      <a:ln w="9525" cap="flat" cmpd="sng" algn="ctr">
+        <a:solidFill>
+          <a:schemeClr val="tx1">
+            <a:lumMod val="35000"/>
+            <a:lumOff val="65000"/>
+          </a:schemeClr>
+        </a:solidFill>
+        <a:round/>
+      </a:ln>
+    </cs:spPr>
+  </cs:seriesLine>
+  <cs:title>
+    <cs:lnRef idx="0"/>
+    <cs:fillRef idx="0"/>
+    <cs:effectRef idx="0"/>
+    <cs:fontRef idx="minor">
+      <a:schemeClr val="tx1">
+        <a:lumMod val="65000"/>
+        <a:lumOff val="35000"/>
+      </a:schemeClr>
+    </cs:fontRef>
+    <cs:defRPr sz="1400" b="0" kern="1200" spc="0" baseline="0"/>
+  </cs:title>
+  <cs:trendline>
+    <cs:lnRef idx="0">
+      <cs:styleClr val="auto"/>
+    </cs:lnRef>
+    <cs:fillRef idx="0"/>
+    <cs:effectRef idx="0"/>
+    <cs:fontRef idx="minor">
+      <a:schemeClr val="tx1"/>
+    </cs:fontRef>
+    <cs:spPr>
+      <a:ln w="19050" cap="rnd">
+        <a:solidFill>
+          <a:schemeClr val="phClr"/>
+        </a:solidFill>
+        <a:prstDash val="sysDot"/>
+      </a:ln>
+    </cs:spPr>
+  </cs:trendline>
+  <cs:trendlineLabel>
+    <cs:lnRef idx="0"/>
+    <cs:fillRef idx="0"/>
+    <cs:effectRef idx="0"/>
+    <cs:fontRef idx="minor">
+      <a:schemeClr val="tx1">
+        <a:lumMod val="65000"/>
+        <a:lumOff val="35000"/>
+      </a:schemeClr>
+    </cs:fontRef>
+    <cs:defRPr sz="900" kern="1200"/>
+  </cs:trendlineLabel>
+  <cs:upBar>
+    <cs:lnRef idx="0"/>
+    <cs:fillRef idx="0"/>
+    <cs:effectRef idx="0"/>
+    <cs:fontRef idx="minor">
+      <a:schemeClr val="dk1"/>
+    </cs:fontRef>
+    <cs:spPr>
+      <a:solidFill>
+        <a:schemeClr val="lt1"/>
+      </a:solidFill>
+      <a:ln w="9525">
+        <a:solidFill>
+          <a:schemeClr val="tx1">
+            <a:lumMod val="15000"/>
+            <a:lumOff val="85000"/>
+          </a:schemeClr>
+        </a:solidFill>
+      </a:ln>
+    </cs:spPr>
+  </cs:upBar>
+  <cs:valueAxis>
+    <cs:lnRef idx="0"/>
+    <cs:fillRef idx="0"/>
+    <cs:effectRef idx="0"/>
+    <cs:fontRef idx="minor">
+      <a:schemeClr val="tx1">
+        <a:lumMod val="65000"/>
+        <a:lumOff val="35000"/>
+      </a:schemeClr>
+    </cs:fontRef>
+    <cs:defRPr sz="900" kern="1200"/>
+  </cs:valueAxis>
+  <cs:wall>
+    <cs:lnRef idx="0"/>
+    <cs:fillRef idx="0"/>
+    <cs:effectRef idx="0"/>
+    <cs:fontRef idx="minor">
+      <a:schemeClr val="tx1"/>
+    </cs:fontRef>
+    <cs:spPr>
+      <a:noFill/>
+      <a:ln>
+        <a:noFill/>
+      </a:ln>
+    </cs:spPr>
+  </cs:wall>
+</cs:chartStyle>
+</file>
+
+<file path=ppt/charts/style2.xml><?xml version="1.0" encoding="utf-8"?>
+<cs:chartStyle xmlns:cs="http://schemas.microsoft.com/office/drawing/2012/chartStyle" xmlns:a="http://schemas.openxmlformats.org/drawingml/2006/main" id="227">
+  <cs:axisTitle>
+    <cs:lnRef idx="0"/>
+    <cs:fillRef idx="0"/>
+    <cs:effectRef idx="0"/>
+    <cs:fontRef idx="minor">
+      <a:schemeClr val="tx1">
+        <a:lumMod val="65000"/>
+        <a:lumOff val="35000"/>
+      </a:schemeClr>
+    </cs:fontRef>
+    <cs:defRPr sz="1000" kern="1200"/>
+  </cs:axisTitle>
+  <cs:categoryAxis>
+    <cs:lnRef idx="0"/>
+    <cs:fillRef idx="0"/>
+    <cs:effectRef idx="0"/>
+    <cs:fontRef idx="minor">
+      <a:schemeClr val="tx1">
+        <a:lumMod val="65000"/>
+        <a:lumOff val="35000"/>
+      </a:schemeClr>
+    </cs:fontRef>
+    <cs:spPr>
+      <a:ln w="9525" cap="flat" cmpd="sng" algn="ctr">
+        <a:solidFill>
+          <a:schemeClr val="tx1">
+            <a:lumMod val="15000"/>
+            <a:lumOff val="85000"/>
+          </a:schemeClr>
+        </a:solidFill>
+        <a:round/>
+      </a:ln>
+    </cs:spPr>
+    <cs:defRPr sz="900" kern="1200"/>
+  </cs:categoryAxis>
+  <cs:chartArea mods="allowNoFillOverride allowNoLineOverride">
+    <cs:lnRef idx="0"/>
+    <cs:fillRef idx="0"/>
+    <cs:effectRef idx="0"/>
+    <cs:fontRef idx="minor">
+      <a:schemeClr val="tx1"/>
+    </cs:fontRef>
+    <cs:spPr>
+      <a:solidFill>
+        <a:schemeClr val="bg1"/>
+      </a:solidFill>
+      <a:ln w="9525" cap="flat" cmpd="sng" algn="ctr">
+        <a:solidFill>
+          <a:schemeClr val="tx1">
+            <a:lumMod val="15000"/>
+            <a:lumOff val="85000"/>
+          </a:schemeClr>
+        </a:solidFill>
+        <a:round/>
+      </a:ln>
+    </cs:spPr>
+    <cs:defRPr sz="1000" kern="1200"/>
+  </cs:chartArea>
+  <cs:dataLabel>
+    <cs:lnRef idx="0"/>
+    <cs:fillRef idx="0"/>
+    <cs:effectRef idx="0"/>
+    <cs:fontRef idx="minor">
+      <a:schemeClr val="tx1">
+        <a:lumMod val="75000"/>
+        <a:lumOff val="25000"/>
+      </a:schemeClr>
+    </cs:fontRef>
+    <cs:defRPr sz="900" kern="1200"/>
+  </cs:dataLabel>
+  <cs:dataLabelCallout>
+    <cs:lnRef idx="0"/>
+    <cs:fillRef idx="0"/>
+    <cs:effectRef idx="0"/>
+    <cs:fontRef idx="minor">
+      <a:schemeClr val="dk1">
+        <a:lumMod val="65000"/>
+        <a:lumOff val="35000"/>
+      </a:schemeClr>
+    </cs:fontRef>
+    <cs:spPr>
+      <a:solidFill>
+        <a:schemeClr val="lt1"/>
+      </a:solidFill>
+      <a:ln>
+        <a:solidFill>
+          <a:schemeClr val="dk1">
+            <a:lumMod val="25000"/>
+            <a:lumOff val="75000"/>
+          </a:schemeClr>
+        </a:solidFill>
+      </a:ln>
+    </cs:spPr>
+    <cs:defRPr sz="900" kern="1200"/>
+    <cs:bodyPr rot="0" spcFirstLastPara="1" vertOverflow="clip" horzOverflow="clip" vert="horz" wrap="square" lIns="36576" tIns="18288" rIns="36576" bIns="18288" anchor="ctr" anchorCtr="1">
+      <a:spAutoFit/>
+    </cs:bodyPr>
+  </cs:dataLabelCallout>
+  <cs:dataPoint>
+    <cs:lnRef idx="0"/>
+    <cs:fillRef idx="1">
+      <cs:styleClr val="auto"/>
+    </cs:fillRef>
+    <cs:effectRef idx="0"/>
+    <cs:fontRef idx="minor">
+      <a:schemeClr val="tx1"/>
+    </cs:fontRef>
+    <cs:spPr>
+      <a:solidFill>
+        <a:schemeClr val="phClr"/>
+      </a:solidFill>
+    </cs:spPr>
+  </cs:dataPoint>
+  <cs:dataPoint3D>
+    <cs:lnRef idx="0"/>
+    <cs:fillRef idx="1">
+      <cs:styleClr val="auto"/>
+    </cs:fillRef>
+    <cs:effectRef idx="0"/>
+    <cs:fontRef idx="minor">
+      <a:schemeClr val="tx1"/>
+    </cs:fontRef>
+    <cs:spPr>
+      <a:solidFill>
+        <a:schemeClr val="phClr"/>
+      </a:solidFill>
+    </cs:spPr>
+  </cs:dataPoint3D>
+  <cs:dataPointLine>
+    <cs:lnRef idx="0">
+      <cs:styleClr val="auto"/>
+    </cs:lnRef>
+    <cs:fillRef idx="1"/>
+    <cs:effectRef idx="0"/>
+    <cs:fontRef idx="minor">
+      <a:schemeClr val="tx1"/>
+    </cs:fontRef>
+    <cs:spPr>
+      <a:ln w="28575" cap="rnd">
+        <a:solidFill>
+          <a:schemeClr val="phClr"/>
+        </a:solidFill>
+        <a:round/>
+      </a:ln>
+    </cs:spPr>
+  </cs:dataPointLine>
+  <cs:dataPointMarker>
+    <cs:lnRef idx="0">
+      <cs:styleClr val="auto"/>
+    </cs:lnRef>
+    <cs:fillRef idx="1">
+      <cs:styleClr val="auto"/>
+    </cs:fillRef>
+    <cs:effectRef idx="0"/>
+    <cs:fontRef idx="minor">
+      <a:schemeClr val="tx1"/>
+    </cs:fontRef>
+    <cs:spPr>
+      <a:solidFill>
+        <a:schemeClr val="phClr"/>
+      </a:solidFill>
+      <a:ln w="9525">
+        <a:solidFill>
+          <a:schemeClr val="phClr"/>
+        </a:solidFill>
+      </a:ln>
+    </cs:spPr>
+  </cs:dataPointMarker>
+  <cs:dataPointMarkerLayout symbol="circle" size="5"/>
+  <cs:dataPointWireframe>
+    <cs:lnRef idx="0">
+      <cs:styleClr val="auto"/>
+    </cs:lnRef>
+    <cs:fillRef idx="1"/>
+    <cs:effectRef idx="0"/>
+    <cs:fontRef idx="minor">
+      <a:schemeClr val="tx1"/>
+    </cs:fontRef>
+    <cs:spPr>
+      <a:ln w="9525" cap="rnd">
+        <a:solidFill>
+          <a:schemeClr val="phClr"/>
+        </a:solidFill>
+        <a:round/>
+      </a:ln>
+    </cs:spPr>
+  </cs:dataPointWireframe>
+  <cs:dataTable>
+    <cs:lnRef idx="0"/>
+    <cs:fillRef idx="0"/>
+    <cs:effectRef idx="0"/>
+    <cs:fontRef idx="minor">
+      <a:schemeClr val="tx1">
+        <a:lumMod val="65000"/>
+        <a:lumOff val="35000"/>
+      </a:schemeClr>
+    </cs:fontRef>
+    <cs:spPr>
+      <a:noFill/>
+      <a:ln w="9525" cap="flat" cmpd="sng" algn="ctr">
+        <a:solidFill>
+          <a:schemeClr val="tx1">
+            <a:lumMod val="15000"/>
+            <a:lumOff val="85000"/>
+          </a:schemeClr>
+        </a:solidFill>
+        <a:round/>
+      </a:ln>
+    </cs:spPr>
+    <cs:defRPr sz="900" kern="1200"/>
+  </cs:dataTable>
+  <cs:downBar>
+    <cs:lnRef idx="0"/>
+    <cs:fillRef idx="0"/>
+    <cs:effectRef idx="0"/>
+    <cs:fontRef idx="minor">
+      <a:schemeClr val="dk1"/>
+    </cs:fontRef>
+    <cs:spPr>
+      <a:solidFill>
+        <a:schemeClr val="dk1">
+          <a:lumMod val="65000"/>
+          <a:lumOff val="35000"/>
+        </a:schemeClr>
+      </a:solidFill>
+      <a:ln w="9525">
+        <a:solidFill>
+          <a:schemeClr val="tx1">
+            <a:lumMod val="65000"/>
+            <a:lumOff val="35000"/>
+          </a:schemeClr>
+        </a:solidFill>
+      </a:ln>
+    </cs:spPr>
+  </cs:downBar>
+  <cs:dropLine>
+    <cs:lnRef idx="0"/>
+    <cs:fillRef idx="0"/>
+    <cs:effectRef idx="0"/>
+    <cs:fontRef idx="minor">
+      <a:schemeClr val="tx1"/>
+    </cs:fontRef>
+    <cs:spPr>
+      <a:ln w="9525" cap="flat" cmpd="sng" algn="ctr">
+        <a:solidFill>
+          <a:schemeClr val="tx1">
+            <a:lumMod val="35000"/>
+            <a:lumOff val="65000"/>
+          </a:schemeClr>
+        </a:solidFill>
+        <a:round/>
+      </a:ln>
+    </cs:spPr>
+  </cs:dropLine>
+  <cs:errorBar>
+    <cs:lnRef idx="0"/>
+    <cs:fillRef idx="0"/>
+    <cs:effectRef idx="0"/>
+    <cs:fontRef idx="minor">
+      <a:schemeClr val="tx1"/>
+    </cs:fontRef>
+    <cs:spPr>
+      <a:ln w="9525" cap="flat" cmpd="sng" algn="ctr">
+        <a:solidFill>
+          <a:schemeClr val="tx1">
+            <a:lumMod val="65000"/>
+            <a:lumOff val="35000"/>
+          </a:schemeClr>
+        </a:solidFill>
+        <a:round/>
+      </a:ln>
+    </cs:spPr>
+  </cs:errorBar>
+  <cs:floor>
+    <cs:lnRef idx="0"/>
+    <cs:fillRef idx="0"/>
+    <cs:effectRef idx="0"/>
+    <cs:fontRef idx="minor">
+      <a:schemeClr val="tx1"/>
+    </cs:fontRef>
+    <cs:spPr>
+      <a:noFill/>
+      <a:ln>
+        <a:noFill/>
+      </a:ln>
+    </cs:spPr>
+  </cs:floor>
+  <cs:gridlineMajor>
+    <cs:lnRef idx="0"/>
+    <cs:fillRef idx="0"/>
+    <cs:effectRef idx="0"/>
+    <cs:fontRef idx="minor">
+      <a:schemeClr val="tx1"/>
+    </cs:fontRef>
+    <cs:spPr>
+      <a:ln w="9525" cap="flat" cmpd="sng" algn="ctr">
+        <a:solidFill>
+          <a:schemeClr val="tx1">
+            <a:lumMod val="15000"/>
+            <a:lumOff val="85000"/>
+          </a:schemeClr>
+        </a:solidFill>
+        <a:round/>
+      </a:ln>
+    </cs:spPr>
+  </cs:gridlineMajor>
+  <cs:gridlineMinor>
+    <cs:lnRef idx="0"/>
+    <cs:fillRef idx="0"/>
+    <cs:effectRef idx="0"/>
+    <cs:fontRef idx="minor">
+      <a:schemeClr val="tx1"/>
+    </cs:fontRef>
+    <cs:spPr>
+      <a:ln w="9525" cap="flat" cmpd="sng" algn="ctr">
+        <a:solidFill>
+          <a:schemeClr val="tx1">
+            <a:lumMod val="5000"/>
+            <a:lumOff val="95000"/>
+          </a:schemeClr>
+        </a:solidFill>
+        <a:round/>
+      </a:ln>
+    </cs:spPr>
+  </cs:gridlineMinor>
+  <cs:hiLoLine>
+    <cs:lnRef idx="0"/>
+    <cs:fillRef idx="0"/>
+    <cs:effectRef idx="0"/>
+    <cs:fontRef idx="minor">
+      <a:schemeClr val="tx1"/>
+    </cs:fontRef>
+    <cs:spPr>
+      <a:ln w="9525" cap="flat" cmpd="sng" algn="ctr">
+        <a:solidFill>
+          <a:schemeClr val="tx1">
+            <a:lumMod val="75000"/>
+            <a:lumOff val="25000"/>
+          </a:schemeClr>
+        </a:solidFill>
+        <a:round/>
+      </a:ln>
+    </cs:spPr>
+  </cs:hiLoLine>
+  <cs:leaderLine>
+    <cs:lnRef idx="0"/>
+    <cs:fillRef idx="0"/>
+    <cs:effectRef idx="0"/>
+    <cs:fontRef idx="minor">
+      <a:schemeClr val="tx1"/>
+    </cs:fontRef>
+    <cs:spPr>
+      <a:ln w="9525" cap="flat" cmpd="sng" algn="ctr">
+        <a:solidFill>
+          <a:schemeClr val="tx1">
+            <a:lumMod val="35000"/>
+            <a:lumOff val="65000"/>
+          </a:schemeClr>
+        </a:solidFill>
+        <a:round/>
+      </a:ln>
+    </cs:spPr>
+  </cs:leaderLine>
+  <cs:legend>
+    <cs:lnRef idx="0"/>
+    <cs:fillRef idx="0"/>
+    <cs:effectRef idx="0"/>
+    <cs:fontRef idx="minor">
+      <a:schemeClr val="tx1">
+        <a:lumMod val="65000"/>
+        <a:lumOff val="35000"/>
+      </a:schemeClr>
+    </cs:fontRef>
+    <cs:defRPr sz="900" kern="1200"/>
+  </cs:legend>
+  <cs:plotArea mods="allowNoFillOverride allowNoLineOverride">
+    <cs:lnRef idx="0"/>
+    <cs:fillRef idx="0"/>
+    <cs:effectRef idx="0"/>
+    <cs:fontRef idx="minor">
+      <a:schemeClr val="tx1"/>
+    </cs:fontRef>
+  </cs:plotArea>
+  <cs:plotArea3D mods="allowNoFillOverride allowNoLineOverride">
+    <cs:lnRef idx="0"/>
+    <cs:fillRef idx="0"/>
+    <cs:effectRef idx="0"/>
+    <cs:fontRef idx="minor">
+      <a:schemeClr val="tx1"/>
+    </cs:fontRef>
+  </cs:plotArea3D>
+  <cs:seriesAxis>
+    <cs:lnRef idx="0"/>
+    <cs:fillRef idx="0"/>
+    <cs:effectRef idx="0"/>
+    <cs:fontRef idx="minor">
+      <a:schemeClr val="tx1">
+        <a:lumMod val="65000"/>
+        <a:lumOff val="35000"/>
+      </a:schemeClr>
+    </cs:fontRef>
+    <cs:defRPr sz="900" kern="1200"/>
+  </cs:seriesAxis>
+  <cs:seriesLine>
+    <cs:lnRef idx="0"/>
+    <cs:fillRef idx="0"/>
+    <cs:effectRef idx="0"/>
+    <cs:fontRef idx="minor">
+      <a:schemeClr val="tx1"/>
+    </cs:fontRef>
+    <cs:spPr>
+      <a:ln w="9525" cap="flat" cmpd="sng" algn="ctr">
+        <a:solidFill>
+          <a:schemeClr val="tx1">
+            <a:lumMod val="35000"/>
+            <a:lumOff val="65000"/>
+          </a:schemeClr>
+        </a:solidFill>
+        <a:round/>
+      </a:ln>
+    </cs:spPr>
+  </cs:seriesLine>
+  <cs:title>
+    <cs:lnRef idx="0"/>
+    <cs:fillRef idx="0"/>
+    <cs:effectRef idx="0"/>
+    <cs:fontRef idx="minor">
+      <a:schemeClr val="tx1">
+        <a:lumMod val="65000"/>
+        <a:lumOff val="35000"/>
+      </a:schemeClr>
+    </cs:fontRef>
+    <cs:defRPr sz="1400" b="0" kern="1200" spc="0" baseline="0"/>
+  </cs:title>
+  <cs:trendline>
+    <cs:lnRef idx="0">
+      <cs:styleClr val="auto"/>
+    </cs:lnRef>
+    <cs:fillRef idx="0"/>
+    <cs:effectRef idx="0"/>
+    <cs:fontRef idx="minor">
+      <a:schemeClr val="tx1"/>
+    </cs:fontRef>
+    <cs:spPr>
+      <a:ln w="19050" cap="rnd">
+        <a:solidFill>
+          <a:schemeClr val="phClr"/>
+        </a:solidFill>
+        <a:prstDash val="sysDot"/>
+      </a:ln>
+    </cs:spPr>
+  </cs:trendline>
+  <cs:trendlineLabel>
+    <cs:lnRef idx="0"/>
+    <cs:fillRef idx="0"/>
+    <cs:effectRef idx="0"/>
+    <cs:fontRef idx="minor">
+      <a:schemeClr val="tx1">
+        <a:lumMod val="65000"/>
+        <a:lumOff val="35000"/>
+      </a:schemeClr>
+    </cs:fontRef>
+    <cs:defRPr sz="900" kern="1200"/>
+  </cs:trendlineLabel>
+  <cs:upBar>
+    <cs:lnRef idx="0"/>
+    <cs:fillRef idx="0"/>
+    <cs:effectRef idx="0"/>
+    <cs:fontRef idx="minor">
+      <a:schemeClr val="dk1"/>
+    </cs:fontRef>
+    <cs:spPr>
+      <a:solidFill>
+        <a:schemeClr val="lt1"/>
+      </a:solidFill>
+      <a:ln w="9525">
+        <a:solidFill>
+          <a:schemeClr val="tx1">
+            <a:lumMod val="15000"/>
+            <a:lumOff val="85000"/>
+          </a:schemeClr>
+        </a:solidFill>
+      </a:ln>
+    </cs:spPr>
+  </cs:upBar>
+  <cs:valueAxis>
+    <cs:lnRef idx="0"/>
+    <cs:fillRef idx="0"/>
+    <cs:effectRef idx="0"/>
+    <cs:fontRef idx="minor">
+      <a:schemeClr val="tx1">
+        <a:lumMod val="65000"/>
+        <a:lumOff val="35000"/>
+      </a:schemeClr>
+    </cs:fontRef>
+    <cs:defRPr sz="900" kern="1200"/>
+  </cs:valueAxis>
+  <cs:wall>
+    <cs:lnRef idx="0"/>
+    <cs:fillRef idx="0"/>
+    <cs:effectRef idx="0"/>
+    <cs:fontRef idx="minor">
+      <a:schemeClr val="tx1"/>
+    </cs:fontRef>
+    <cs:spPr>
+      <a:noFill/>
+      <a:ln>
+        <a:noFill/>
+      </a:ln>
+    </cs:spPr>
+  </cs:wall>
+</cs:chartStyle>
 </file>
 
 <file path=ppt/slideLayouts/slideLayout1.xml><?xml version="1.0" encoding="utf-8"?>
@@ -6636,7 +8876,7 @@
                         </a:spcAft>
                       </a:pPr>
                       <a:r>
-                        <a:rPr lang="es-AR" sz="1800" b="0" i="0" u="none" strike="noStrike" cap="none" spc="0">
+                        <a:rPr lang="es-AR" sz="1800" b="0" i="0" u="none" strike="noStrike" cap="none" spc="0" dirty="0">
                           <a:solidFill>
                             <a:schemeClr val="tx1"/>
                           </a:solidFill>
@@ -6645,7 +8885,7 @@
                         </a:rPr>
                         <a:t>23</a:t>
                       </a:r>
-                      <a:endParaRPr lang="es-AR" sz="1800" b="0" i="0" u="none" strike="noStrike" cap="none" spc="0">
+                      <a:endParaRPr lang="es-AR" sz="1800" b="0" i="0" u="none" strike="noStrike" cap="none" spc="0" dirty="0">
                         <a:solidFill>
                           <a:schemeClr val="tx1"/>
                         </a:solidFill>
@@ -6687,7 +8927,7 @@
                         </a:spcAft>
                       </a:pPr>
                       <a:r>
-                        <a:rPr lang="es-AR" sz="1800" b="0" i="0" u="none" strike="noStrike" cap="none" spc="0">
+                        <a:rPr lang="es-AR" sz="1800" b="0" i="0" u="none" strike="noStrike" cap="none" spc="0" dirty="0">
                           <a:solidFill>
                             <a:schemeClr val="tx1"/>
                           </a:solidFill>
@@ -6696,7 +8936,7 @@
                         </a:rPr>
                         <a:t>13</a:t>
                       </a:r>
-                      <a:endParaRPr lang="es-AR" sz="1800" b="0" i="0" u="none" strike="noStrike" cap="none" spc="0">
+                      <a:endParaRPr lang="es-AR" sz="1800" b="0" i="0" u="none" strike="noStrike" cap="none" spc="0" dirty="0">
                         <a:solidFill>
                           <a:schemeClr val="tx1"/>
                         </a:solidFill>
@@ -6738,7 +8978,7 @@
                         </a:spcAft>
                       </a:pPr>
                       <a:r>
-                        <a:rPr lang="es-AR" sz="1800" b="0" i="0" u="none" strike="noStrike" cap="none" spc="0">
+                        <a:rPr lang="es-AR" sz="1800" b="0" i="0" u="none" strike="noStrike" cap="none" spc="0" dirty="0">
                           <a:solidFill>
                             <a:schemeClr val="tx1"/>
                           </a:solidFill>
@@ -6747,7 +8987,7 @@
                         </a:rPr>
                         <a:t>56</a:t>
                       </a:r>
-                      <a:endParaRPr lang="es-AR" sz="1800" b="0" i="0" u="none" strike="noStrike" cap="none" spc="0">
+                      <a:endParaRPr lang="es-AR" sz="1800" b="0" i="0" u="none" strike="noStrike" cap="none" spc="0" dirty="0">
                         <a:solidFill>
                           <a:schemeClr val="tx1"/>
                         </a:solidFill>
@@ -6789,7 +9029,7 @@
                         </a:spcAft>
                       </a:pPr>
                       <a:r>
-                        <a:rPr lang="es-AR" sz="1800" b="0" i="0" u="none" strike="noStrike" cap="none" spc="0">
+                        <a:rPr lang="es-AR" sz="1800" b="0" i="0" u="none" strike="noStrike" cap="none" spc="0" dirty="0">
                           <a:solidFill>
                             <a:schemeClr val="tx1"/>
                           </a:solidFill>
@@ -6798,7 +9038,7 @@
                         </a:rPr>
                         <a:t>47</a:t>
                       </a:r>
-                      <a:endParaRPr lang="es-AR" sz="1800" b="0" i="0" u="none" strike="noStrike" cap="none" spc="0">
+                      <a:endParaRPr lang="es-AR" sz="1800" b="0" i="0" u="none" strike="noStrike" cap="none" spc="0" dirty="0">
                         <a:solidFill>
                           <a:schemeClr val="tx1"/>
                         </a:solidFill>
@@ -7625,7 +9865,7 @@
                         </a:spcAft>
                       </a:pPr>
                       <a:r>
-                        <a:rPr lang="es-AR" sz="1800" b="0" i="0" u="none" strike="noStrike" cap="none" spc="0">
+                        <a:rPr lang="es-AR" sz="1800" b="0" i="0" u="none" strike="noStrike" cap="none" spc="0" dirty="0">
                           <a:solidFill>
                             <a:schemeClr val="tx1"/>
                           </a:solidFill>
@@ -7634,7 +9874,7 @@
                         </a:rPr>
                         <a:t>2997</a:t>
                       </a:r>
-                      <a:endParaRPr lang="es-AR" sz="1800" b="0" i="0" u="none" strike="noStrike" cap="none" spc="0">
+                      <a:endParaRPr lang="es-AR" sz="1800" b="0" i="0" u="none" strike="noStrike" cap="none" spc="0" dirty="0">
                         <a:solidFill>
                           <a:schemeClr val="tx1"/>
                         </a:solidFill>
@@ -8078,7 +10318,7 @@
             <p:ph sz="quarter" idx="13"/>
             <p:extLst>
               <p:ext uri="{D42A27DB-BD31-4B8C-83A1-F6EECF244321}">
-                <p14:modId xmlns:p14="http://schemas.microsoft.com/office/powerpoint/2010/main" val="3552647669"/>
+                <p14:modId xmlns:p14="http://schemas.microsoft.com/office/powerpoint/2010/main" val="2321931500"/>
               </p:ext>
             </p:extLst>
           </p:nvPr>
@@ -8534,7 +10774,7 @@
                         </a:spcAft>
                       </a:pPr>
                       <a:r>
-                        <a:rPr lang="es-AR" sz="1800" b="0" i="0" u="none" strike="noStrike" kern="1200" cap="none" spc="0">
+                        <a:rPr lang="es-AR" sz="1800" b="0" i="0" u="none" strike="noStrike" kern="1200" cap="none" spc="0" dirty="0">
                           <a:solidFill>
                             <a:schemeClr val="tx1"/>
                           </a:solidFill>
@@ -8580,7 +10820,7 @@
                         </a:spcAft>
                       </a:pPr>
                       <a:r>
-                        <a:rPr lang="es-AR" sz="1800" b="0" i="0" u="none" strike="noStrike" kern="1200" cap="none" spc="0">
+                        <a:rPr lang="es-AR" sz="1800" b="0" i="0" u="none" strike="noStrike" kern="1200" cap="none" spc="0" dirty="0">
                           <a:solidFill>
                             <a:schemeClr val="tx1"/>
                           </a:solidFill>
@@ -8626,7 +10866,7 @@
                         </a:spcAft>
                       </a:pPr>
                       <a:r>
-                        <a:rPr lang="es-AR" sz="1800" b="0" i="0" u="none" strike="noStrike" kern="1200" cap="none" spc="0">
+                        <a:rPr lang="es-AR" sz="1800" b="0" i="0" u="none" strike="noStrike" kern="1200" cap="none" spc="0" dirty="0">
                           <a:solidFill>
                             <a:schemeClr val="tx1"/>
                           </a:solidFill>
@@ -8837,7 +11077,7 @@
                         </a:spcAft>
                       </a:pPr>
                       <a:r>
-                        <a:rPr lang="es-AR" sz="1800" b="0" i="0" u="none" strike="noStrike" kern="1200" cap="none" spc="0">
+                        <a:rPr lang="es-AR" sz="1800" b="0" i="0" u="none" strike="noStrike" kern="1200" cap="none" spc="0" dirty="0">
                           <a:solidFill>
                             <a:schemeClr val="tx1"/>
                           </a:solidFill>
@@ -9193,7 +11433,7 @@
                         </a:spcAft>
                       </a:pPr>
                       <a:r>
-                        <a:rPr lang="es-AR" sz="1800" b="0" i="0" u="none" strike="noStrike" cap="none" spc="0">
+                        <a:rPr lang="es-AR" sz="1800" b="0" i="0" u="none" strike="noStrike" cap="none" spc="0" dirty="0">
                           <a:solidFill>
                             <a:schemeClr val="tx1"/>
                           </a:solidFill>
@@ -9202,7 +11442,7 @@
                         </a:rPr>
                         <a:t>Ms totales</a:t>
                       </a:r>
-                      <a:endParaRPr lang="es-AR" sz="1800" b="0" i="0" u="none" strike="noStrike" cap="none" spc="0">
+                      <a:endParaRPr lang="es-AR" sz="1800" b="0" i="0" u="none" strike="noStrike" cap="none" spc="0" dirty="0">
                         <a:solidFill>
                           <a:schemeClr val="tx1"/>
                         </a:solidFill>
@@ -9249,7 +11489,7 @@
                         </a:spcAft>
                       </a:pPr>
                       <a:r>
-                        <a:rPr lang="es-AR" sz="1800" b="0" i="0" u="none" strike="noStrike" kern="1200" cap="none" spc="0">
+                        <a:rPr lang="es-AR" sz="1800" b="0" i="0" u="none" strike="noStrike" kern="1200" cap="none" spc="0" dirty="0">
                           <a:solidFill>
                             <a:schemeClr val="tx1"/>
                           </a:solidFill>
@@ -9300,7 +11540,7 @@
                         </a:spcAft>
                       </a:pPr>
                       <a:r>
-                        <a:rPr lang="es-AR" sz="1800" b="0" i="0" u="none" strike="noStrike" kern="1200" cap="none" spc="0">
+                        <a:rPr lang="es-AR" sz="1800" b="0" i="0" u="none" strike="noStrike" kern="1200" cap="none" spc="0" dirty="0">
                           <a:solidFill>
                             <a:schemeClr val="tx1"/>
                           </a:solidFill>
@@ -9351,7 +11591,7 @@
                         </a:spcAft>
                       </a:pPr>
                       <a:r>
-                        <a:rPr lang="es-AR" sz="1800" b="0" i="0" u="none" strike="noStrike" kern="1200" cap="none" spc="0">
+                        <a:rPr lang="es-AR" sz="1800" b="0" i="0" u="none" strike="noStrike" kern="1200" cap="none" spc="0" dirty="0">
                           <a:solidFill>
                             <a:schemeClr val="tx1"/>
                           </a:solidFill>
@@ -10039,12 +12279,12 @@
                     <a:p>
                       <a:pPr algn="r" fontAlgn="b"/>
                       <a:r>
-                        <a:rPr lang="es-AR" sz="2100" u="none" strike="noStrike">
+                        <a:rPr lang="es-AR" sz="2100" u="none" strike="noStrike" dirty="0">
                           <a:effectLst/>
                         </a:rPr>
                         <a:t>19</a:t>
                       </a:r>
-                      <a:endParaRPr lang="es-AR" sz="2100" b="0" i="0" u="none" strike="noStrike">
+                      <a:endParaRPr lang="es-AR" sz="2100" b="0" i="0" u="none" strike="noStrike" dirty="0">
                         <a:solidFill>
                           <a:srgbClr val="000000"/>
                         </a:solidFill>
@@ -10062,12 +12302,12 @@
                     <a:p>
                       <a:pPr algn="r" fontAlgn="b"/>
                       <a:r>
-                        <a:rPr lang="es-AR" sz="2100" u="none" strike="noStrike">
+                        <a:rPr lang="es-AR" sz="2100" u="none" strike="noStrike" dirty="0">
                           <a:effectLst/>
                         </a:rPr>
                         <a:t>24</a:t>
                       </a:r>
-                      <a:endParaRPr lang="es-AR" sz="2100" b="0" i="0" u="none" strike="noStrike">
+                      <a:endParaRPr lang="es-AR" sz="2100" b="0" i="0" u="none" strike="noStrike" dirty="0">
                         <a:solidFill>
                           <a:srgbClr val="000000"/>
                         </a:solidFill>
@@ -10085,12 +12325,12 @@
                     <a:p>
                       <a:pPr algn="r" fontAlgn="b"/>
                       <a:r>
-                        <a:rPr lang="es-AR" sz="2100" u="none" strike="noStrike">
+                        <a:rPr lang="es-AR" sz="2100" u="none" strike="noStrike" dirty="0">
                           <a:effectLst/>
                         </a:rPr>
                         <a:t>53</a:t>
                       </a:r>
-                      <a:endParaRPr lang="es-AR" sz="2100" b="0" i="0" u="none" strike="noStrike">
+                      <a:endParaRPr lang="es-AR" sz="2100" b="0" i="0" u="none" strike="noStrike" dirty="0">
                         <a:solidFill>
                           <a:srgbClr val="000000"/>
                         </a:solidFill>
@@ -10108,12 +12348,12 @@
                     <a:p>
                       <a:pPr algn="r" fontAlgn="b"/>
                       <a:r>
-                        <a:rPr lang="es-AR" sz="2100" u="none" strike="noStrike">
+                        <a:rPr lang="es-AR" sz="2100" u="none" strike="noStrike" dirty="0">
                           <a:effectLst/>
                         </a:rPr>
                         <a:t>34</a:t>
                       </a:r>
-                      <a:endParaRPr lang="es-AR" sz="2100" b="0" i="0" u="none" strike="noStrike">
+                      <a:endParaRPr lang="es-AR" sz="2100" b="0" i="0" u="none" strike="noStrike" dirty="0">
                         <a:solidFill>
                           <a:srgbClr val="000000"/>
                         </a:solidFill>
@@ -10457,12 +12697,12 @@
                     <a:p>
                       <a:pPr algn="r" fontAlgn="b"/>
                       <a:r>
-                        <a:rPr lang="es-AR" sz="2100" u="none" strike="noStrike">
+                        <a:rPr lang="es-AR" sz="2100" u="none" strike="noStrike" dirty="0">
                           <a:effectLst/>
                         </a:rPr>
                         <a:t>0</a:t>
                       </a:r>
-                      <a:endParaRPr lang="es-AR" sz="2100" b="0" i="0" u="none" strike="noStrike">
+                      <a:endParaRPr lang="es-AR" sz="2100" b="0" i="0" u="none" strike="noStrike" dirty="0">
                         <a:solidFill>
                           <a:srgbClr val="000000"/>
                         </a:solidFill>
@@ -10480,12 +12720,12 @@
                     <a:p>
                       <a:pPr algn="r" fontAlgn="b"/>
                       <a:r>
-                        <a:rPr lang="es-AR" sz="2100" u="none" strike="noStrike">
+                        <a:rPr lang="es-AR" sz="2100" u="none" strike="noStrike" dirty="0">
                           <a:effectLst/>
                         </a:rPr>
                         <a:t>1998</a:t>
                       </a:r>
-                      <a:endParaRPr lang="es-AR" sz="2100" b="0" i="0" u="none" strike="noStrike">
+                      <a:endParaRPr lang="es-AR" sz="2100" b="0" i="0" u="none" strike="noStrike" dirty="0">
                         <a:solidFill>
                           <a:srgbClr val="000000"/>
                         </a:solidFill>
@@ -11037,7 +13277,7 @@
                     <a:p>
                       <a:pPr marL="0" algn="l" defTabSz="914400" rtl="0" eaLnBrk="1" fontAlgn="b" latinLnBrk="0" hangingPunct="1"/>
                       <a:r>
-                        <a:rPr lang="es-AR" sz="2100" u="none" strike="noStrike" kern="1200">
+                        <a:rPr lang="es-AR" sz="2100" u="none" strike="noStrike" kern="1200" dirty="0">
                           <a:solidFill>
                             <a:schemeClr val="dk1"/>
                           </a:solidFill>
@@ -11325,7 +13565,7 @@
                     <a:p>
                       <a:pPr marL="0" algn="l" defTabSz="914400" rtl="0" eaLnBrk="1" fontAlgn="b" latinLnBrk="0" hangingPunct="1"/>
                       <a:r>
-                        <a:rPr lang="es-AR" sz="2100" u="none" strike="noStrike" kern="1200">
+                        <a:rPr lang="es-AR" sz="2100" u="none" strike="noStrike" kern="1200" dirty="0">
                           <a:solidFill>
                             <a:srgbClr val="FF0000"/>
                           </a:solidFill>
@@ -11369,7 +13609,7 @@
                     <a:p>
                       <a:pPr marL="0" algn="l" defTabSz="914400" rtl="0" eaLnBrk="1" fontAlgn="b" latinLnBrk="0" hangingPunct="1"/>
                       <a:r>
-                        <a:rPr lang="es-AR" sz="2100" u="none" strike="noStrike" kern="1200">
+                        <a:rPr lang="es-AR" sz="2100" u="none" strike="noStrike" kern="1200" dirty="0">
                           <a:solidFill>
                             <a:schemeClr val="dk1"/>
                           </a:solidFill>
@@ -11568,6 +13808,785 @@
     <p:extLst>
       <p:ext uri="{BB962C8B-B14F-4D97-AF65-F5344CB8AC3E}">
         <p14:creationId xmlns:p14="http://schemas.microsoft.com/office/powerpoint/2010/main" val="2202301151"/>
+      </p:ext>
+    </p:extLst>
+  </p:cSld>
+  <p:clrMapOvr>
+    <a:masterClrMapping/>
+  </p:clrMapOvr>
+</p:sld>
+</file>
+
+<file path=ppt/slides/slide14.xml><?xml version="1.0" encoding="utf-8"?>
+<p:sld xmlns:a="http://schemas.openxmlformats.org/drawingml/2006/main" xmlns:r="http://schemas.openxmlformats.org/officeDocument/2006/relationships" xmlns:p="http://schemas.openxmlformats.org/presentationml/2006/main">
+  <p:cSld>
+    <p:bg>
+      <p:bgPr>
+        <a:gradFill rotWithShape="1">
+          <a:gsLst>
+            <a:gs pos="0">
+              <a:schemeClr val="bg1">
+                <a:tint val="90000"/>
+                <a:lumMod val="110000"/>
+              </a:schemeClr>
+            </a:gs>
+            <a:gs pos="100000">
+              <a:schemeClr val="bg1">
+                <a:shade val="64000"/>
+                <a:lumMod val="88000"/>
+              </a:schemeClr>
+            </a:gs>
+          </a:gsLst>
+          <a:lin ang="5400000" scaled="0"/>
+        </a:gradFill>
+        <a:effectLst/>
+      </p:bgPr>
+    </p:bg>
+    <p:spTree>
+      <p:nvGrpSpPr>
+        <p:cNvPr id="1" name=""/>
+        <p:cNvGrpSpPr/>
+        <p:nvPr/>
+      </p:nvGrpSpPr>
+      <p:grpSpPr>
+        <a:xfrm>
+          <a:off x="0" y="0"/>
+          <a:ext cx="0" cy="0"/>
+          <a:chOff x="0" y="0"/>
+          <a:chExt cx="0" cy="0"/>
+        </a:xfrm>
+      </p:grpSpPr>
+      <p:sp>
+        <p:nvSpPr>
+          <p:cNvPr id="10" name="Rectangle 9">
+            <a:extLst>
+              <a:ext uri="{FF2B5EF4-FFF2-40B4-BE49-F238E27FC236}">
+                <a16:creationId xmlns:a16="http://schemas.microsoft.com/office/drawing/2014/main" id="{3A9C15D4-2EE7-4D05-B87C-91D1F3B9604B}"/>
+              </a:ext>
+              <a:ext uri="{C183D7F6-B498-43B3-948B-1728B52AA6E4}">
+                <adec:decorative xmlns:adec="http://schemas.microsoft.com/office/drawing/2017/decorative" val="1"/>
+              </a:ext>
+            </a:extLst>
+          </p:cNvPr>
+          <p:cNvSpPr>
+            <a:spLocks noGrp="1" noRot="1" noChangeAspect="1" noMove="1" noResize="1" noEditPoints="1" noAdjustHandles="1" noChangeArrowheads="1" noChangeShapeType="1" noTextEdit="1"/>
+          </p:cNvSpPr>
+          <p:nvPr>
+            <p:extLst>
+              <p:ext uri="{386F3935-93C4-4BCD-93E2-E3B085C9AB24}">
+                <p16:designElem xmlns:p16="http://schemas.microsoft.com/office/powerpoint/2015/main" val="1"/>
+              </p:ext>
+            </p:extLst>
+          </p:nvPr>
+        </p:nvSpPr>
+        <p:spPr>
+          <a:xfrm>
+            <a:off x="4059935" y="0"/>
+            <a:ext cx="8132065" cy="6858000"/>
+          </a:xfrm>
+          <a:prstGeom prst="rect">
+            <a:avLst/>
+          </a:prstGeom>
+          <a:solidFill>
+            <a:schemeClr val="bg1"/>
+          </a:solidFill>
+          <a:ln>
+            <a:noFill/>
+          </a:ln>
+        </p:spPr>
+        <p:style>
+          <a:lnRef idx="2">
+            <a:schemeClr val="accent1">
+              <a:shade val="50000"/>
+            </a:schemeClr>
+          </a:lnRef>
+          <a:fillRef idx="1">
+            <a:schemeClr val="accent1"/>
+          </a:fillRef>
+          <a:effectRef idx="0">
+            <a:schemeClr val="accent1"/>
+          </a:effectRef>
+          <a:fontRef idx="minor">
+            <a:schemeClr val="lt1"/>
+          </a:fontRef>
+        </p:style>
+        <p:txBody>
+          <a:bodyPr rtlCol="0" anchor="ctr"/>
+          <a:lstStyle/>
+          <a:p>
+            <a:pPr algn="ctr"/>
+            <a:endParaRPr lang="en-US"/>
+          </a:p>
+        </p:txBody>
+      </p:sp>
+      <p:sp useBgFill="1">
+        <p:nvSpPr>
+          <p:cNvPr id="12" name="Rectangle 11">
+            <a:extLst>
+              <a:ext uri="{FF2B5EF4-FFF2-40B4-BE49-F238E27FC236}">
+                <a16:creationId xmlns:a16="http://schemas.microsoft.com/office/drawing/2014/main" id="{4ED7B0FB-9654-4441-9545-02D458B68620}"/>
+              </a:ext>
+              <a:ext uri="{C183D7F6-B498-43B3-948B-1728B52AA6E4}">
+                <adec:decorative xmlns:adec="http://schemas.microsoft.com/office/drawing/2017/decorative" val="1"/>
+              </a:ext>
+            </a:extLst>
+          </p:cNvPr>
+          <p:cNvSpPr>
+            <a:spLocks noGrp="1" noRot="1" noChangeAspect="1" noMove="1" noResize="1" noEditPoints="1" noAdjustHandles="1" noChangeArrowheads="1" noChangeShapeType="1" noTextEdit="1"/>
+          </p:cNvSpPr>
+          <p:nvPr>
+            <p:extLst>
+              <p:ext uri="{386F3935-93C4-4BCD-93E2-E3B085C9AB24}">
+                <p16:designElem xmlns:p16="http://schemas.microsoft.com/office/powerpoint/2015/main" val="1"/>
+              </p:ext>
+            </p:extLst>
+          </p:nvPr>
+        </p:nvSpPr>
+        <p:spPr>
+          <a:xfrm>
+            <a:off x="0" y="0"/>
+            <a:ext cx="4059935" cy="6858000"/>
+          </a:xfrm>
+          <a:prstGeom prst="rect">
+            <a:avLst/>
+          </a:prstGeom>
+          <a:ln>
+            <a:noFill/>
+          </a:ln>
+          <a:effectLst>
+            <a:outerShdw blurRad="50800" dist="12700" algn="l" rotWithShape="0">
+              <a:prstClr val="black">
+                <a:alpha val="30000"/>
+              </a:prstClr>
+            </a:outerShdw>
+          </a:effectLst>
+        </p:spPr>
+        <p:style>
+          <a:lnRef idx="2">
+            <a:schemeClr val="accent1">
+              <a:shade val="50000"/>
+            </a:schemeClr>
+          </a:lnRef>
+          <a:fillRef idx="1">
+            <a:schemeClr val="accent1"/>
+          </a:fillRef>
+          <a:effectRef idx="0">
+            <a:schemeClr val="accent1"/>
+          </a:effectRef>
+          <a:fontRef idx="minor">
+            <a:schemeClr val="lt1"/>
+          </a:fontRef>
+        </p:style>
+        <p:txBody>
+          <a:bodyPr rtlCol="0" anchor="ctr"/>
+          <a:lstStyle/>
+          <a:p>
+            <a:pPr algn="ctr"/>
+            <a:endParaRPr lang="en-US"/>
+          </a:p>
+        </p:txBody>
+      </p:sp>
+      <p:sp>
+        <p:nvSpPr>
+          <p:cNvPr id="2" name="Título 1">
+            <a:extLst>
+              <a:ext uri="{FF2B5EF4-FFF2-40B4-BE49-F238E27FC236}">
+                <a16:creationId xmlns:a16="http://schemas.microsoft.com/office/drawing/2014/main" id="{31983663-4687-406F-B774-92D2D5C0990B}"/>
+              </a:ext>
+            </a:extLst>
+          </p:cNvPr>
+          <p:cNvSpPr>
+            <a:spLocks noGrp="1"/>
+          </p:cNvSpPr>
+          <p:nvPr>
+            <p:ph type="title"/>
+          </p:nvPr>
+        </p:nvSpPr>
+        <p:spPr>
+          <a:xfrm>
+            <a:off x="641074" y="1314450"/>
+            <a:ext cx="2844002" cy="3680244"/>
+          </a:xfrm>
+        </p:spPr>
+        <p:txBody>
+          <a:bodyPr>
+            <a:normAutofit/>
+          </a:bodyPr>
+          <a:lstStyle/>
+          <a:p>
+            <a:pPr algn="l"/>
+            <a:r>
+              <a:rPr lang="es-ES" sz="4400" dirty="0"/>
+              <a:t>Gráfico </a:t>
+            </a:r>
+            <a:r>
+              <a:rPr lang="es-ES" sz="4400" dirty="0" err="1"/>
+              <a:t>nro</a:t>
+            </a:r>
+            <a:r>
+              <a:rPr lang="es-ES" sz="4400" dirty="0"/>
+              <a:t> 1</a:t>
+            </a:r>
+            <a:endParaRPr lang="es-AR" sz="4400" dirty="0"/>
+          </a:p>
+        </p:txBody>
+      </p:sp>
+      <p:pic>
+        <p:nvPicPr>
+          <p:cNvPr id="14" name="Picture 13">
+            <a:extLst>
+              <a:ext uri="{FF2B5EF4-FFF2-40B4-BE49-F238E27FC236}">
+                <a16:creationId xmlns:a16="http://schemas.microsoft.com/office/drawing/2014/main" id="{7BB94C57-FDF3-45A3-9D1F-904523D795D4}"/>
+              </a:ext>
+              <a:ext uri="{C183D7F6-B498-43B3-948B-1728B52AA6E4}">
+                <adec:decorative xmlns:adec="http://schemas.microsoft.com/office/drawing/2017/decorative" val="1"/>
+              </a:ext>
+            </a:extLst>
+          </p:cNvPr>
+          <p:cNvPicPr>
+            <a:picLocks noGrp="1" noRot="1" noChangeAspect="1" noMove="1" noResize="1" noEditPoints="1" noAdjustHandles="1" noChangeArrowheads="1" noChangeShapeType="1" noCrop="1"/>
+          </p:cNvPicPr>
+          <p:nvPr>
+            <p:extLst>
+              <p:ext uri="{386F3935-93C4-4BCD-93E2-E3B085C9AB24}">
+                <p16:designElem xmlns:p16="http://schemas.microsoft.com/office/powerpoint/2015/main" val="1"/>
+              </p:ext>
+            </p:extLst>
+          </p:nvPr>
+        </p:nvPicPr>
+        <p:blipFill rotWithShape="1">
+          <a:blip r:embed="rId2">
+            <a:extLst>
+              <a:ext uri="{28A0092B-C50C-407E-A947-70E740481C1C}">
+                <a14:useLocalDpi xmlns:a14="http://schemas.microsoft.com/office/drawing/2010/main" val="0"/>
+              </a:ext>
+            </a:extLst>
+          </a:blip>
+          <a:srcRect r="66700" b="77917"/>
+          <a:stretch/>
+        </p:blipFill>
+        <p:spPr>
+          <a:xfrm>
+            <a:off x="0" y="0"/>
+            <a:ext cx="4059935" cy="1514475"/>
+          </a:xfrm>
+          <a:prstGeom prst="rect">
+            <a:avLst/>
+          </a:prstGeom>
+        </p:spPr>
+      </p:pic>
+      <p:pic>
+        <p:nvPicPr>
+          <p:cNvPr id="16" name="Picture 15">
+            <a:extLst>
+              <a:ext uri="{FF2B5EF4-FFF2-40B4-BE49-F238E27FC236}">
+                <a16:creationId xmlns:a16="http://schemas.microsoft.com/office/drawing/2014/main" id="{6AEBDF1A-221A-4497-BBA9-57A70D161510}"/>
+              </a:ext>
+              <a:ext uri="{C183D7F6-B498-43B3-948B-1728B52AA6E4}">
+                <adec:decorative xmlns:adec="http://schemas.microsoft.com/office/drawing/2017/decorative" val="1"/>
+              </a:ext>
+            </a:extLst>
+          </p:cNvPr>
+          <p:cNvPicPr>
+            <a:picLocks noGrp="1" noRot="1" noChangeAspect="1" noMove="1" noResize="1" noEditPoints="1" noAdjustHandles="1" noChangeArrowheads="1" noChangeShapeType="1" noCrop="1"/>
+          </p:cNvPicPr>
+          <p:nvPr>
+            <p:extLst>
+              <p:ext uri="{386F3935-93C4-4BCD-93E2-E3B085C9AB24}">
+                <p16:designElem xmlns:p16="http://schemas.microsoft.com/office/powerpoint/2015/main" val="1"/>
+              </p:ext>
+            </p:extLst>
+          </p:nvPr>
+        </p:nvPicPr>
+        <p:blipFill rotWithShape="1">
+          <a:blip r:embed="rId3">
+            <a:extLst>
+              <a:ext uri="{28A0092B-C50C-407E-A947-70E740481C1C}">
+                <a14:useLocalDpi xmlns:a14="http://schemas.microsoft.com/office/drawing/2010/main" val="0"/>
+              </a:ext>
+            </a:extLst>
+          </a:blip>
+          <a:srcRect l="78750" t="72830" b="14149"/>
+          <a:stretch/>
+        </p:blipFill>
+        <p:spPr>
+          <a:xfrm>
+            <a:off x="1377059" y="5962903"/>
+            <a:ext cx="2590800" cy="892925"/>
+          </a:xfrm>
+          <a:prstGeom prst="rect">
+            <a:avLst/>
+          </a:prstGeom>
+        </p:spPr>
+      </p:pic>
+      <p:graphicFrame>
+        <p:nvGraphicFramePr>
+          <p:cNvPr id="7" name="Gráfico 3">
+            <a:extLst>
+              <a:ext uri="{FF2B5EF4-FFF2-40B4-BE49-F238E27FC236}">
+                <a16:creationId xmlns:a16="http://schemas.microsoft.com/office/drawing/2014/main" id="{06122DC8-24D5-42EB-BB45-380CFE27B698}"/>
+              </a:ext>
+            </a:extLst>
+          </p:cNvPr>
+          <p:cNvGraphicFramePr>
+            <a:graphicFrameLocks noGrp="1"/>
+          </p:cNvGraphicFramePr>
+          <p:nvPr>
+            <p:ph sz="quarter" idx="13"/>
+            <p:extLst>
+              <p:ext uri="{D42A27DB-BD31-4B8C-83A1-F6EECF244321}">
+                <p14:modId xmlns:p14="http://schemas.microsoft.com/office/powerpoint/2010/main" val="1634322507"/>
+              </p:ext>
+            </p:extLst>
+          </p:nvPr>
+        </p:nvGraphicFramePr>
+        <p:xfrm>
+          <a:off x="4594225" y="889000"/>
+          <a:ext cx="6683375" cy="4606925"/>
+        </p:xfrm>
+        <a:graphic>
+          <a:graphicData uri="http://schemas.openxmlformats.org/drawingml/2006/chart">
+            <c:chart xmlns:c="http://schemas.openxmlformats.org/drawingml/2006/chart" xmlns:r="http://schemas.openxmlformats.org/officeDocument/2006/relationships" r:id="rId4"/>
+          </a:graphicData>
+        </a:graphic>
+      </p:graphicFrame>
+    </p:spTree>
+    <p:extLst>
+      <p:ext uri="{BB962C8B-B14F-4D97-AF65-F5344CB8AC3E}">
+        <p14:creationId xmlns:p14="http://schemas.microsoft.com/office/powerpoint/2010/main" val="2305556456"/>
+      </p:ext>
+    </p:extLst>
+  </p:cSld>
+  <p:clrMapOvr>
+    <a:masterClrMapping/>
+  </p:clrMapOvr>
+</p:sld>
+</file>
+
+<file path=ppt/slides/slide15.xml><?xml version="1.0" encoding="utf-8"?>
+<p:sld xmlns:a="http://schemas.openxmlformats.org/drawingml/2006/main" xmlns:r="http://schemas.openxmlformats.org/officeDocument/2006/relationships" xmlns:p="http://schemas.openxmlformats.org/presentationml/2006/main">
+  <p:cSld>
+    <p:bg>
+      <p:bgPr>
+        <a:gradFill rotWithShape="1">
+          <a:gsLst>
+            <a:gs pos="0">
+              <a:schemeClr val="bg1">
+                <a:tint val="90000"/>
+                <a:lumMod val="110000"/>
+              </a:schemeClr>
+            </a:gs>
+            <a:gs pos="100000">
+              <a:schemeClr val="bg1">
+                <a:shade val="64000"/>
+                <a:lumMod val="88000"/>
+              </a:schemeClr>
+            </a:gs>
+          </a:gsLst>
+          <a:lin ang="5400000" scaled="0"/>
+        </a:gradFill>
+        <a:effectLst/>
+      </p:bgPr>
+    </p:bg>
+    <p:spTree>
+      <p:nvGrpSpPr>
+        <p:cNvPr id="1" name=""/>
+        <p:cNvGrpSpPr/>
+        <p:nvPr/>
+      </p:nvGrpSpPr>
+      <p:grpSpPr>
+        <a:xfrm>
+          <a:off x="0" y="0"/>
+          <a:ext cx="0" cy="0"/>
+          <a:chOff x="0" y="0"/>
+          <a:chExt cx="0" cy="0"/>
+        </a:xfrm>
+      </p:grpSpPr>
+      <p:sp>
+        <p:nvSpPr>
+          <p:cNvPr id="10" name="Rectangle 9">
+            <a:extLst>
+              <a:ext uri="{FF2B5EF4-FFF2-40B4-BE49-F238E27FC236}">
+                <a16:creationId xmlns:a16="http://schemas.microsoft.com/office/drawing/2014/main" id="{3A9C15D4-2EE7-4D05-B87C-91D1F3B9604B}"/>
+              </a:ext>
+              <a:ext uri="{C183D7F6-B498-43B3-948B-1728B52AA6E4}">
+                <adec:decorative xmlns:adec="http://schemas.microsoft.com/office/drawing/2017/decorative" val="1"/>
+              </a:ext>
+            </a:extLst>
+          </p:cNvPr>
+          <p:cNvSpPr>
+            <a:spLocks noGrp="1" noRot="1" noChangeAspect="1" noMove="1" noResize="1" noEditPoints="1" noAdjustHandles="1" noChangeArrowheads="1" noChangeShapeType="1" noTextEdit="1"/>
+          </p:cNvSpPr>
+          <p:nvPr>
+            <p:extLst>
+              <p:ext uri="{386F3935-93C4-4BCD-93E2-E3B085C9AB24}">
+                <p16:designElem xmlns:p16="http://schemas.microsoft.com/office/powerpoint/2015/main" val="1"/>
+              </p:ext>
+            </p:extLst>
+          </p:nvPr>
+        </p:nvSpPr>
+        <p:spPr>
+          <a:xfrm>
+            <a:off x="4059935" y="0"/>
+            <a:ext cx="8132065" cy="6858000"/>
+          </a:xfrm>
+          <a:prstGeom prst="rect">
+            <a:avLst/>
+          </a:prstGeom>
+          <a:solidFill>
+            <a:schemeClr val="bg1"/>
+          </a:solidFill>
+          <a:ln>
+            <a:noFill/>
+          </a:ln>
+        </p:spPr>
+        <p:style>
+          <a:lnRef idx="2">
+            <a:schemeClr val="accent1">
+              <a:shade val="50000"/>
+            </a:schemeClr>
+          </a:lnRef>
+          <a:fillRef idx="1">
+            <a:schemeClr val="accent1"/>
+          </a:fillRef>
+          <a:effectRef idx="0">
+            <a:schemeClr val="accent1"/>
+          </a:effectRef>
+          <a:fontRef idx="minor">
+            <a:schemeClr val="lt1"/>
+          </a:fontRef>
+        </p:style>
+        <p:txBody>
+          <a:bodyPr rtlCol="0" anchor="ctr"/>
+          <a:lstStyle/>
+          <a:p>
+            <a:pPr algn="ctr"/>
+            <a:endParaRPr lang="en-US"/>
+          </a:p>
+        </p:txBody>
+      </p:sp>
+      <p:sp useBgFill="1">
+        <p:nvSpPr>
+          <p:cNvPr id="12" name="Rectangle 11">
+            <a:extLst>
+              <a:ext uri="{FF2B5EF4-FFF2-40B4-BE49-F238E27FC236}">
+                <a16:creationId xmlns:a16="http://schemas.microsoft.com/office/drawing/2014/main" id="{4ED7B0FB-9654-4441-9545-02D458B68620}"/>
+              </a:ext>
+              <a:ext uri="{C183D7F6-B498-43B3-948B-1728B52AA6E4}">
+                <adec:decorative xmlns:adec="http://schemas.microsoft.com/office/drawing/2017/decorative" val="1"/>
+              </a:ext>
+            </a:extLst>
+          </p:cNvPr>
+          <p:cNvSpPr>
+            <a:spLocks noGrp="1" noRot="1" noChangeAspect="1" noMove="1" noResize="1" noEditPoints="1" noAdjustHandles="1" noChangeArrowheads="1" noChangeShapeType="1" noTextEdit="1"/>
+          </p:cNvSpPr>
+          <p:nvPr>
+            <p:extLst>
+              <p:ext uri="{386F3935-93C4-4BCD-93E2-E3B085C9AB24}">
+                <p16:designElem xmlns:p16="http://schemas.microsoft.com/office/powerpoint/2015/main" val="1"/>
+              </p:ext>
+            </p:extLst>
+          </p:nvPr>
+        </p:nvSpPr>
+        <p:spPr>
+          <a:xfrm>
+            <a:off x="0" y="0"/>
+            <a:ext cx="4059935" cy="6858000"/>
+          </a:xfrm>
+          <a:prstGeom prst="rect">
+            <a:avLst/>
+          </a:prstGeom>
+          <a:ln>
+            <a:noFill/>
+          </a:ln>
+          <a:effectLst>
+            <a:outerShdw blurRad="50800" dist="12700" algn="l" rotWithShape="0">
+              <a:prstClr val="black">
+                <a:alpha val="30000"/>
+              </a:prstClr>
+            </a:outerShdw>
+          </a:effectLst>
+        </p:spPr>
+        <p:style>
+          <a:lnRef idx="2">
+            <a:schemeClr val="accent1">
+              <a:shade val="50000"/>
+            </a:schemeClr>
+          </a:lnRef>
+          <a:fillRef idx="1">
+            <a:schemeClr val="accent1"/>
+          </a:fillRef>
+          <a:effectRef idx="0">
+            <a:schemeClr val="accent1"/>
+          </a:effectRef>
+          <a:fontRef idx="minor">
+            <a:schemeClr val="lt1"/>
+          </a:fontRef>
+        </p:style>
+        <p:txBody>
+          <a:bodyPr rtlCol="0" anchor="ctr"/>
+          <a:lstStyle/>
+          <a:p>
+            <a:pPr algn="ctr"/>
+            <a:endParaRPr lang="en-US"/>
+          </a:p>
+        </p:txBody>
+      </p:sp>
+      <p:sp>
+        <p:nvSpPr>
+          <p:cNvPr id="2" name="Título 1">
+            <a:extLst>
+              <a:ext uri="{FF2B5EF4-FFF2-40B4-BE49-F238E27FC236}">
+                <a16:creationId xmlns:a16="http://schemas.microsoft.com/office/drawing/2014/main" id="{3382EC96-5C42-4C49-9D54-21880046FC6D}"/>
+              </a:ext>
+            </a:extLst>
+          </p:cNvPr>
+          <p:cNvSpPr>
+            <a:spLocks noGrp="1"/>
+          </p:cNvSpPr>
+          <p:nvPr>
+            <p:ph type="title"/>
+          </p:nvPr>
+        </p:nvSpPr>
+        <p:spPr>
+          <a:xfrm>
+            <a:off x="641074" y="1314450"/>
+            <a:ext cx="2844002" cy="3680244"/>
+          </a:xfrm>
+        </p:spPr>
+        <p:txBody>
+          <a:bodyPr>
+            <a:normAutofit/>
+          </a:bodyPr>
+          <a:lstStyle/>
+          <a:p>
+            <a:pPr algn="l"/>
+            <a:r>
+              <a:rPr lang="es-ES" sz="4400" dirty="0"/>
+              <a:t>Gráfico </a:t>
+            </a:r>
+            <a:r>
+              <a:rPr lang="es-ES" sz="4400" dirty="0" err="1"/>
+              <a:t>nro</a:t>
+            </a:r>
+            <a:r>
+              <a:rPr lang="es-ES" sz="4400" dirty="0"/>
+              <a:t> 2</a:t>
+            </a:r>
+            <a:endParaRPr lang="es-AR" sz="4400" dirty="0"/>
+          </a:p>
+        </p:txBody>
+      </p:sp>
+      <p:pic>
+        <p:nvPicPr>
+          <p:cNvPr id="14" name="Picture 13">
+            <a:extLst>
+              <a:ext uri="{FF2B5EF4-FFF2-40B4-BE49-F238E27FC236}">
+                <a16:creationId xmlns:a16="http://schemas.microsoft.com/office/drawing/2014/main" id="{7BB94C57-FDF3-45A3-9D1F-904523D795D4}"/>
+              </a:ext>
+              <a:ext uri="{C183D7F6-B498-43B3-948B-1728B52AA6E4}">
+                <adec:decorative xmlns:adec="http://schemas.microsoft.com/office/drawing/2017/decorative" val="1"/>
+              </a:ext>
+            </a:extLst>
+          </p:cNvPr>
+          <p:cNvPicPr>
+            <a:picLocks noGrp="1" noRot="1" noChangeAspect="1" noMove="1" noResize="1" noEditPoints="1" noAdjustHandles="1" noChangeArrowheads="1" noChangeShapeType="1" noCrop="1"/>
+          </p:cNvPicPr>
+          <p:nvPr>
+            <p:extLst>
+              <p:ext uri="{386F3935-93C4-4BCD-93E2-E3B085C9AB24}">
+                <p16:designElem xmlns:p16="http://schemas.microsoft.com/office/powerpoint/2015/main" val="1"/>
+              </p:ext>
+            </p:extLst>
+          </p:nvPr>
+        </p:nvPicPr>
+        <p:blipFill rotWithShape="1">
+          <a:blip r:embed="rId2">
+            <a:extLst>
+              <a:ext uri="{28A0092B-C50C-407E-A947-70E740481C1C}">
+                <a14:useLocalDpi xmlns:a14="http://schemas.microsoft.com/office/drawing/2010/main" val="0"/>
+              </a:ext>
+            </a:extLst>
+          </a:blip>
+          <a:srcRect r="66700" b="77917"/>
+          <a:stretch/>
+        </p:blipFill>
+        <p:spPr>
+          <a:xfrm>
+            <a:off x="0" y="0"/>
+            <a:ext cx="4059935" cy="1514475"/>
+          </a:xfrm>
+          <a:prstGeom prst="rect">
+            <a:avLst/>
+          </a:prstGeom>
+        </p:spPr>
+      </p:pic>
+      <p:pic>
+        <p:nvPicPr>
+          <p:cNvPr id="16" name="Picture 15">
+            <a:extLst>
+              <a:ext uri="{FF2B5EF4-FFF2-40B4-BE49-F238E27FC236}">
+                <a16:creationId xmlns:a16="http://schemas.microsoft.com/office/drawing/2014/main" id="{6AEBDF1A-221A-4497-BBA9-57A70D161510}"/>
+              </a:ext>
+              <a:ext uri="{C183D7F6-B498-43B3-948B-1728B52AA6E4}">
+                <adec:decorative xmlns:adec="http://schemas.microsoft.com/office/drawing/2017/decorative" val="1"/>
+              </a:ext>
+            </a:extLst>
+          </p:cNvPr>
+          <p:cNvPicPr>
+            <a:picLocks noGrp="1" noRot="1" noChangeAspect="1" noMove="1" noResize="1" noEditPoints="1" noAdjustHandles="1" noChangeArrowheads="1" noChangeShapeType="1" noCrop="1"/>
+          </p:cNvPicPr>
+          <p:nvPr>
+            <p:extLst>
+              <p:ext uri="{386F3935-93C4-4BCD-93E2-E3B085C9AB24}">
+                <p16:designElem xmlns:p16="http://schemas.microsoft.com/office/powerpoint/2015/main" val="1"/>
+              </p:ext>
+            </p:extLst>
+          </p:nvPr>
+        </p:nvPicPr>
+        <p:blipFill rotWithShape="1">
+          <a:blip r:embed="rId3">
+            <a:extLst>
+              <a:ext uri="{28A0092B-C50C-407E-A947-70E740481C1C}">
+                <a14:useLocalDpi xmlns:a14="http://schemas.microsoft.com/office/drawing/2010/main" val="0"/>
+              </a:ext>
+            </a:extLst>
+          </a:blip>
+          <a:srcRect l="78750" t="72830" b="14149"/>
+          <a:stretch/>
+        </p:blipFill>
+        <p:spPr>
+          <a:xfrm>
+            <a:off x="1377059" y="5962903"/>
+            <a:ext cx="2590800" cy="892925"/>
+          </a:xfrm>
+          <a:prstGeom prst="rect">
+            <a:avLst/>
+          </a:prstGeom>
+        </p:spPr>
+      </p:pic>
+      <p:graphicFrame>
+        <p:nvGraphicFramePr>
+          <p:cNvPr id="7" name="Gráfico 3">
+            <a:extLst>
+              <a:ext uri="{FF2B5EF4-FFF2-40B4-BE49-F238E27FC236}">
+                <a16:creationId xmlns:a16="http://schemas.microsoft.com/office/drawing/2014/main" id="{247EFC28-9808-4FAD-9D28-9A30FF1FFA52}"/>
+              </a:ext>
+            </a:extLst>
+          </p:cNvPr>
+          <p:cNvGraphicFramePr>
+            <a:graphicFrameLocks noGrp="1"/>
+          </p:cNvGraphicFramePr>
+          <p:nvPr>
+            <p:ph sz="quarter" idx="13"/>
+            <p:extLst>
+              <p:ext uri="{D42A27DB-BD31-4B8C-83A1-F6EECF244321}">
+                <p14:modId xmlns:p14="http://schemas.microsoft.com/office/powerpoint/2010/main" val="3755225469"/>
+              </p:ext>
+            </p:extLst>
+          </p:nvPr>
+        </p:nvGraphicFramePr>
+        <p:xfrm>
+          <a:off x="4594225" y="889000"/>
+          <a:ext cx="6683375" cy="4606925"/>
+        </p:xfrm>
+        <a:graphic>
+          <a:graphicData uri="http://schemas.openxmlformats.org/drawingml/2006/chart">
+            <c:chart xmlns:c="http://schemas.openxmlformats.org/drawingml/2006/chart" xmlns:r="http://schemas.openxmlformats.org/officeDocument/2006/relationships" r:id="rId4"/>
+          </a:graphicData>
+        </a:graphic>
+      </p:graphicFrame>
+    </p:spTree>
+    <p:extLst>
+      <p:ext uri="{BB962C8B-B14F-4D97-AF65-F5344CB8AC3E}">
+        <p14:creationId xmlns:p14="http://schemas.microsoft.com/office/powerpoint/2010/main" val="1325809779"/>
+      </p:ext>
+    </p:extLst>
+  </p:cSld>
+  <p:clrMapOvr>
+    <a:masterClrMapping/>
+  </p:clrMapOvr>
+</p:sld>
+</file>
+
+<file path=ppt/slides/slide16.xml><?xml version="1.0" encoding="utf-8"?>
+<p:sld xmlns:a="http://schemas.openxmlformats.org/drawingml/2006/main" xmlns:r="http://schemas.openxmlformats.org/officeDocument/2006/relationships" xmlns:p="http://schemas.openxmlformats.org/presentationml/2006/main">
+  <p:cSld>
+    <p:spTree>
+      <p:nvGrpSpPr>
+        <p:cNvPr id="1" name=""/>
+        <p:cNvGrpSpPr/>
+        <p:nvPr/>
+      </p:nvGrpSpPr>
+      <p:grpSpPr>
+        <a:xfrm>
+          <a:off x="0" y="0"/>
+          <a:ext cx="0" cy="0"/>
+          <a:chOff x="0" y="0"/>
+          <a:chExt cx="0" cy="0"/>
+        </a:xfrm>
+      </p:grpSpPr>
+      <p:sp>
+        <p:nvSpPr>
+          <p:cNvPr id="2" name="Título 1">
+            <a:extLst>
+              <a:ext uri="{FF2B5EF4-FFF2-40B4-BE49-F238E27FC236}">
+                <a16:creationId xmlns:a16="http://schemas.microsoft.com/office/drawing/2014/main" id="{226ADB7A-AA40-418A-8004-2E260A04CFBC}"/>
+              </a:ext>
+            </a:extLst>
+          </p:cNvPr>
+          <p:cNvSpPr>
+            <a:spLocks noGrp="1"/>
+          </p:cNvSpPr>
+          <p:nvPr>
+            <p:ph type="title"/>
+          </p:nvPr>
+        </p:nvSpPr>
+        <p:spPr/>
+        <p:txBody>
+          <a:bodyPr/>
+          <a:lstStyle/>
+          <a:p>
+            <a:r>
+              <a:rPr lang="es-ES" dirty="0"/>
+              <a:t>repositorio</a:t>
+            </a:r>
+            <a:endParaRPr lang="es-AR" dirty="0"/>
+          </a:p>
+        </p:txBody>
+      </p:sp>
+      <p:sp>
+        <p:nvSpPr>
+          <p:cNvPr id="3" name="Marcador de contenido 2">
+            <a:extLst>
+              <a:ext uri="{FF2B5EF4-FFF2-40B4-BE49-F238E27FC236}">
+                <a16:creationId xmlns:a16="http://schemas.microsoft.com/office/drawing/2014/main" id="{4DBB6777-B9DB-4339-80F5-D79690ADA094}"/>
+              </a:ext>
+            </a:extLst>
+          </p:cNvPr>
+          <p:cNvSpPr>
+            <a:spLocks noGrp="1"/>
+          </p:cNvSpPr>
+          <p:nvPr>
+            <p:ph sz="quarter" idx="13"/>
+          </p:nvPr>
+        </p:nvSpPr>
+        <p:spPr/>
+        <p:txBody>
+          <a:bodyPr/>
+          <a:lstStyle/>
+          <a:p>
+            <a:r>
+              <a:rPr lang="es-AR" dirty="0"/>
+              <a:t>https://github.com/marceaguerrero/sia</a:t>
+            </a:r>
+          </a:p>
+        </p:txBody>
+      </p:sp>
+    </p:spTree>
+    <p:extLst>
+      <p:ext uri="{BB962C8B-B14F-4D97-AF65-F5344CB8AC3E}">
+        <p14:creationId xmlns:p14="http://schemas.microsoft.com/office/powerpoint/2010/main" val="2928377525"/>
       </p:ext>
     </p:extLst>
   </p:cSld>
